--- a/2017/python/B Done - ish/Ruby - Programming Concepts III.pptx
+++ b/2017/python/B Done - ish/Ruby - Programming Concepts III.pptx
@@ -8932,12 +8932,6 @@
               </a:rPr>
               <a:t>Write</a:t>
             </a:r>
-            <a:endParaRPr lang="en-US" sz="2400" dirty="0" smtClean="0">
-              <a:latin typeface="Open Sans"/>
-              <a:ea typeface="Open Sans"/>
-              <a:cs typeface="Open Sans"/>
-              <a:sym typeface="Open Sans"/>
-            </a:endParaRPr>
           </a:p>
           <a:p>
             <a:pPr marL="457200" lvl="0" indent="-419100" rtl="0">
@@ -9004,12 +8998,6 @@
               </a:rPr>
               <a:t>Die</a:t>
             </a:r>
-            <a:endParaRPr lang="en-US" sz="2400" dirty="0" smtClean="0">
-              <a:latin typeface="Open Sans"/>
-              <a:ea typeface="Open Sans"/>
-              <a:cs typeface="Open Sans"/>
-              <a:sym typeface="Open Sans"/>
-            </a:endParaRPr>
           </a:p>
           <a:p>
             <a:pPr marL="457200" lvl="0" indent="-419100" rtl="0">
@@ -12753,7 +12741,22 @@
                 <a:cs typeface="Open Sans"/>
                 <a:sym typeface="Open Sans"/>
               </a:rPr>
-              <a:t>Do a series of tasks in order (left-to-right)</a:t>
+              <a:t>Do a series of tasks in order (</a:t>
+            </a:r>
+            <a:r>
+              <a:rPr lang="en-US" dirty="0">
+                <a:sym typeface="Open Sans"/>
+              </a:rPr>
+              <a:t>inside to out</a:t>
+            </a:r>
+            <a:r>
+              <a:rPr lang="en" dirty="0">
+                <a:latin typeface="Open Sans"/>
+                <a:ea typeface="Open Sans"/>
+                <a:cs typeface="Open Sans"/>
+                <a:sym typeface="Open Sans"/>
+              </a:rPr>
+              <a:t>)</a:t>
             </a:r>
           </a:p>
           <a:p>
@@ -12773,8 +12776,65 @@
                 <a:cs typeface="Menlo Regular"/>
                 <a:sym typeface="Courier New"/>
               </a:rPr>
-              <a:t>task.try.tryAgain.success?</a:t>
-            </a:r>
+              <a:t>task</a:t>
+            </a:r>
+            <a:r>
+              <a:rPr lang="en-US" dirty="0">
+                <a:solidFill>
+                  <a:srgbClr val="0B5C92"/>
+                </a:solidFill>
+                <a:latin typeface="Menlo Regular"/>
+                <a:ea typeface="Menlo Regular"/>
+                <a:cs typeface="Menlo Regular"/>
+                <a:sym typeface="Courier New"/>
+              </a:rPr>
+              <a:t>_three</a:t>
+            </a:r>
+            <a:r>
+              <a:rPr lang="en-US" dirty="0">
+                <a:solidFill>
+                  <a:srgbClr val="0B5C92"/>
+                </a:solidFill>
+                <a:latin typeface="Menlo Regular"/>
+                <a:ea typeface="Menlo Regular"/>
+                <a:cs typeface="Menlo Regular"/>
+                <a:sym typeface="Courier New"/>
+              </a:rPr>
+              <a:t>(</a:t>
+            </a:r>
+            <a:r>
+              <a:rPr lang="en" dirty="0">
+                <a:solidFill>
+                  <a:srgbClr val="0B5C92"/>
+                </a:solidFill>
+                <a:latin typeface="Menlo Regular"/>
+                <a:ea typeface="Menlo Regular"/>
+                <a:cs typeface="Menlo Regular"/>
+                <a:sym typeface="Courier New"/>
+              </a:rPr>
+              <a:t>t</a:t>
+            </a:r>
+            <a:r>
+              <a:rPr lang="en-US" dirty="0">
+                <a:solidFill>
+                  <a:srgbClr val="0B5C92"/>
+                </a:solidFill>
+                <a:latin typeface="Menlo Regular"/>
+                <a:ea typeface="Menlo Regular"/>
+                <a:cs typeface="Menlo Regular"/>
+                <a:sym typeface="Courier New"/>
+              </a:rPr>
+              <a:t>ask_one(data).task_two)</a:t>
+            </a:r>
+            <a:endParaRPr lang="en" dirty="0">
+              <a:solidFill>
+                <a:srgbClr val="0B5C92"/>
+              </a:solidFill>
+              <a:latin typeface="Menlo Regular"/>
+              <a:ea typeface="Menlo Regular"/>
+              <a:cs typeface="Menlo Regular"/>
+              <a:sym typeface="Courier New"/>
+            </a:endParaRPr>
           </a:p>
           <a:p>
             <a:pPr lvl="0" rtl="0">
@@ -12822,7 +12882,16 @@
                 <a:cs typeface="Menlo Regular"/>
                 <a:sym typeface="Courier New"/>
               </a:rPr>
-              <a:t>task.try</a:t>
+              <a:t>task.</a:t>
+            </a:r>
+            <a:r>
+              <a:rPr lang="en-US" sz="2400" dirty="0">
+                <a:latin typeface="Menlo Regular"/>
+                <a:ea typeface="Menlo Regular"/>
+                <a:cs typeface="Menlo Regular"/>
+                <a:sym typeface="Courier New"/>
+              </a:rPr>
+              <a:t>one</a:t>
             </a:r>
             <a:r>
               <a:rPr lang="en" dirty="0">
@@ -12840,8 +12909,37 @@
                 <a:cs typeface="Menlo Regular"/>
                 <a:sym typeface="Courier New"/>
               </a:rPr>
-              <a:t>result.tryAgain</a:t>
-            </a:r>
+              <a:t>result.try</a:t>
+            </a:r>
+            <a:r>
+              <a:rPr lang="en-US" sz="2400" dirty="0">
+                <a:latin typeface="Menlo Regular"/>
+                <a:ea typeface="Menlo Regular"/>
+                <a:cs typeface="Menlo Regular"/>
+                <a:sym typeface="Courier New"/>
+              </a:rPr>
+              <a:t>two</a:t>
+            </a:r>
+            <a:endParaRPr lang="en" sz="2400" dirty="0">
+              <a:latin typeface="Menlo Regular"/>
+              <a:ea typeface="Menlo Regular"/>
+              <a:cs typeface="Menlo Regular"/>
+              <a:sym typeface="Courier New"/>
+            </a:endParaRPr>
+          </a:p>
+          <a:p>
+            <a:pPr lvl="0" rtl="0">
+              <a:spcBef>
+                <a:spcPts val="0"/>
+              </a:spcBef>
+              <a:buNone/>
+            </a:pPr>
+            <a:endParaRPr lang="en-US" sz="1100" dirty="0">
+              <a:latin typeface="Menlo Regular"/>
+              <a:ea typeface="Menlo Regular"/>
+              <a:cs typeface="Menlo Regular"/>
+              <a:sym typeface="Courier New"/>
+            </a:endParaRPr>
           </a:p>
           <a:p>
             <a:pPr lvl="0" rtl="0">
@@ -12858,6 +12956,204 @@
             </a:endParaRPr>
           </a:p>
           <a:p>
+            <a:pPr>
+              <a:buNone/>
+            </a:pPr>
+            <a:r>
+              <a:rPr lang="en" dirty="0">
+                <a:solidFill>
+                  <a:srgbClr val="0B5C92"/>
+                </a:solidFill>
+                <a:latin typeface="Menlo Regular"/>
+                <a:ea typeface="Menlo Regular"/>
+                <a:cs typeface="Menlo Regular"/>
+                <a:sym typeface="Courier New"/>
+              </a:rPr>
+              <a:t>task</a:t>
+            </a:r>
+            <a:r>
+              <a:rPr lang="en-US" dirty="0">
+                <a:solidFill>
+                  <a:srgbClr val="0B5C92"/>
+                </a:solidFill>
+                <a:latin typeface="Menlo Regular"/>
+                <a:ea typeface="Menlo Regular"/>
+                <a:cs typeface="Menlo Regular"/>
+                <a:sym typeface="Courier New"/>
+              </a:rPr>
+              <a:t>_three(</a:t>
+            </a:r>
+            <a:r>
+              <a:rPr lang="en" b="1" dirty="0">
+                <a:solidFill>
+                  <a:srgbClr val="0B5C92"/>
+                </a:solidFill>
+                <a:latin typeface="Menlo Regular"/>
+                <a:ea typeface="Menlo Regular"/>
+                <a:cs typeface="Menlo Regular"/>
+                <a:sym typeface="Courier New"/>
+              </a:rPr>
+              <a:t>t</a:t>
+            </a:r>
+            <a:r>
+              <a:rPr lang="en-US" b="1" dirty="0">
+                <a:solidFill>
+                  <a:srgbClr val="0B5C92"/>
+                </a:solidFill>
+                <a:latin typeface="Menlo Regular"/>
+                <a:ea typeface="Menlo Regular"/>
+                <a:cs typeface="Menlo Regular"/>
+                <a:sym typeface="Courier New"/>
+              </a:rPr>
+              <a:t>ask_one(data).</a:t>
+            </a:r>
+            <a:r>
+              <a:rPr lang="en-US" dirty="0">
+                <a:solidFill>
+                  <a:srgbClr val="0B5C92"/>
+                </a:solidFill>
+                <a:latin typeface="Menlo Regular"/>
+                <a:ea typeface="Menlo Regular"/>
+                <a:cs typeface="Menlo Regular"/>
+                <a:sym typeface="Courier New"/>
+              </a:rPr>
+              <a:t>task_two)</a:t>
+            </a:r>
+            <a:endParaRPr lang="en" dirty="0">
+              <a:solidFill>
+                <a:srgbClr val="0B5C92"/>
+              </a:solidFill>
+              <a:latin typeface="Menlo Regular"/>
+              <a:ea typeface="Menlo Regular"/>
+              <a:cs typeface="Menlo Regular"/>
+              <a:sym typeface="Courier New"/>
+            </a:endParaRPr>
+          </a:p>
+          <a:p>
+            <a:pPr lvl="0">
+              <a:buNone/>
+            </a:pPr>
+            <a:r>
+              <a:rPr lang="en" dirty="0">
+                <a:solidFill>
+                  <a:srgbClr val="0B5C92"/>
+                </a:solidFill>
+                <a:latin typeface="Menlo Regular"/>
+                <a:ea typeface="Menlo Regular"/>
+                <a:cs typeface="Menlo Regular"/>
+                <a:sym typeface="Courier New"/>
+              </a:rPr>
+              <a:t>task</a:t>
+            </a:r>
+            <a:r>
+              <a:rPr lang="en-US" dirty="0">
+                <a:solidFill>
+                  <a:srgbClr val="0B5C92"/>
+                </a:solidFill>
+                <a:latin typeface="Menlo Regular"/>
+                <a:ea typeface="Menlo Regular"/>
+                <a:cs typeface="Menlo Regular"/>
+                <a:sym typeface="Courier New"/>
+              </a:rPr>
+              <a:t>_three(</a:t>
+            </a:r>
+            <a:r>
+              <a:rPr lang="en-US" b="1" dirty="0">
+                <a:solidFill>
+                  <a:srgbClr val="0B5C92"/>
+                </a:solidFill>
+                <a:latin typeface="Menlo Regular"/>
+                <a:ea typeface="Menlo Regular"/>
+                <a:cs typeface="Menlo Regular"/>
+                <a:sym typeface="Courier New"/>
+              </a:rPr>
+              <a:t>result</a:t>
+            </a:r>
+            <a:r>
+              <a:rPr lang="en-US" dirty="0">
+                <a:solidFill>
+                  <a:srgbClr val="0B5C92"/>
+                </a:solidFill>
+                <a:latin typeface="Menlo Regular"/>
+                <a:ea typeface="Menlo Regular"/>
+                <a:cs typeface="Menlo Regular"/>
+                <a:sym typeface="Courier New"/>
+              </a:rPr>
+              <a:t>.task_two)</a:t>
+            </a:r>
+            <a:endParaRPr lang="en" dirty="0">
+              <a:solidFill>
+                <a:srgbClr val="0B5C92"/>
+              </a:solidFill>
+              <a:latin typeface="Menlo Regular"/>
+              <a:ea typeface="Menlo Regular"/>
+              <a:cs typeface="Menlo Regular"/>
+              <a:sym typeface="Courier New"/>
+            </a:endParaRPr>
+          </a:p>
+          <a:p>
+            <a:pPr lvl="0">
+              <a:buNone/>
+            </a:pPr>
+            <a:r>
+              <a:rPr lang="en" dirty="0">
+                <a:solidFill>
+                  <a:srgbClr val="0B5C92"/>
+                </a:solidFill>
+                <a:latin typeface="Menlo Regular"/>
+                <a:ea typeface="Menlo Regular"/>
+                <a:cs typeface="Menlo Regular"/>
+                <a:sym typeface="Courier New"/>
+              </a:rPr>
+              <a:t>task</a:t>
+            </a:r>
+            <a:r>
+              <a:rPr lang="en-US" dirty="0">
+                <a:solidFill>
+                  <a:srgbClr val="0B5C92"/>
+                </a:solidFill>
+                <a:latin typeface="Menlo Regular"/>
+                <a:ea typeface="Menlo Regular"/>
+                <a:cs typeface="Menlo Regular"/>
+                <a:sym typeface="Courier New"/>
+              </a:rPr>
+              <a:t>_three(</a:t>
+            </a:r>
+            <a:r>
+              <a:rPr lang="en-US" b="1" dirty="0">
+                <a:solidFill>
+                  <a:srgbClr val="0B5C92"/>
+                </a:solidFill>
+                <a:latin typeface="Menlo Regular"/>
+                <a:ea typeface="Menlo Regular"/>
+                <a:cs typeface="Menlo Regular"/>
+                <a:sym typeface="Courier New"/>
+              </a:rPr>
+              <a:t>result</a:t>
+            </a:r>
+            <a:r>
+              <a:rPr lang="en-US" dirty="0">
+                <a:solidFill>
+                  <a:srgbClr val="0B5C92"/>
+                </a:solidFill>
+                <a:latin typeface="Menlo Regular"/>
+                <a:ea typeface="Menlo Regular"/>
+                <a:cs typeface="Menlo Regular"/>
+                <a:sym typeface="Courier New"/>
+              </a:rPr>
+              <a:t>)</a:t>
+            </a:r>
+            <a:endParaRPr lang="en" dirty="0">
+              <a:solidFill>
+                <a:srgbClr val="0B5C92"/>
+              </a:solidFill>
+              <a:latin typeface="Menlo Regular"/>
+              <a:ea typeface="Menlo Regular"/>
+              <a:cs typeface="Menlo Regular"/>
+              <a:sym typeface="Courier New"/>
+            </a:endParaRPr>
+          </a:p>
+          <a:p>
             <a:pPr lvl="0" rtl="0">
               <a:spcBef>
                 <a:spcPts val="0"/>
@@ -12865,7 +13161,7 @@
               <a:buNone/>
             </a:pPr>
             <a:r>
-              <a:rPr lang="en" b="1" dirty="0">
+              <a:rPr lang="en-US" b="1" dirty="0">
                 <a:solidFill>
                   <a:srgbClr val="0B5C92"/>
                 </a:solidFill>
@@ -12874,84 +13170,17 @@
                 <a:cs typeface="Menlo Regular"/>
                 <a:sym typeface="Courier New"/>
               </a:rPr>
-              <a:t>task.try</a:t>
-            </a:r>
-            <a:r>
-              <a:rPr lang="en" dirty="0">
-                <a:solidFill>
-                  <a:srgbClr val="0B5C92"/>
-                </a:solidFill>
-                <a:latin typeface="Menlo Regular"/>
-                <a:ea typeface="Menlo Regular"/>
-                <a:cs typeface="Menlo Regular"/>
-                <a:sym typeface="Courier New"/>
-              </a:rPr>
-              <a:t>.tryAgain.success?</a:t>
-            </a:r>
-          </a:p>
-          <a:p>
-            <a:pPr lvl="0" rtl="0">
-              <a:spcBef>
-                <a:spcPts val="0"/>
-              </a:spcBef>
-              <a:buNone/>
-            </a:pPr>
-            <a:r>
-              <a:rPr lang="en" b="1" dirty="0">
-                <a:solidFill>
-                  <a:srgbClr val="0B5C92"/>
-                </a:solidFill>
-                <a:latin typeface="Menlo Regular"/>
-                <a:ea typeface="Menlo Regular"/>
-                <a:cs typeface="Menlo Regular"/>
-                <a:sym typeface="Courier New"/>
-              </a:rPr>
               <a:t>result</a:t>
             </a:r>
-            <a:r>
-              <a:rPr lang="en" dirty="0">
-                <a:solidFill>
-                  <a:srgbClr val="0B5C92"/>
-                </a:solidFill>
-                <a:latin typeface="Menlo Regular"/>
-                <a:ea typeface="Menlo Regular"/>
-                <a:cs typeface="Menlo Regular"/>
-                <a:sym typeface="Courier New"/>
-              </a:rPr>
-              <a:t>.tryAgain.success?</a:t>
-            </a:r>
-          </a:p>
-          <a:p>
-            <a:pPr lvl="0" rtl="0">
-              <a:spcBef>
-                <a:spcPts val="0"/>
-              </a:spcBef>
-              <a:buNone/>
-            </a:pPr>
-            <a:r>
-              <a:rPr lang="en" b="1" dirty="0">
-                <a:solidFill>
-                  <a:srgbClr val="0B5C92"/>
-                </a:solidFill>
-                <a:latin typeface="Menlo Regular"/>
-                <a:ea typeface="Menlo Regular"/>
-                <a:cs typeface="Menlo Regular"/>
-                <a:sym typeface="Courier New"/>
-              </a:rPr>
-              <a:t>result</a:t>
-            </a:r>
-            <a:r>
-              <a:rPr lang="en" dirty="0">
-                <a:solidFill>
-                  <a:srgbClr val="0B5C92"/>
-                </a:solidFill>
-                <a:latin typeface="Menlo Regular"/>
-                <a:ea typeface="Menlo Regular"/>
-                <a:cs typeface="Menlo Regular"/>
-                <a:sym typeface="Courier New"/>
-              </a:rPr>
-              <a:t>.success?</a:t>
-            </a:r>
+            <a:endParaRPr lang="en" dirty="0">
+              <a:solidFill>
+                <a:srgbClr val="0B5C92"/>
+              </a:solidFill>
+              <a:latin typeface="Menlo Regular"/>
+              <a:ea typeface="Menlo Regular"/>
+              <a:cs typeface="Menlo Regular"/>
+              <a:sym typeface="Courier New"/>
+            </a:endParaRPr>
           </a:p>
         </p:txBody>
       </p:sp>

--- a/2017/python/B Done - ish/Ruby - Programming Concepts III.pptx
+++ b/2017/python/B Done - ish/Ruby - Programming Concepts III.pptx
@@ -1807,6 +1807,10 @@
               </a:spcBef>
               <a:buNone/>
             </a:pPr>
+            <a:r>
+              <a:rPr lang="en-US"/>
+              <a:t>defaults</a:t>
+            </a:r>
             <a:endParaRPr/>
           </a:p>
         </p:txBody>
@@ -9935,7 +9939,7 @@
                 <a:cs typeface="Open Sans"/>
                 <a:sym typeface="Open Sans"/>
               </a:rPr>
-              <a:t>keywords </a:t>
+              <a:t>keyword </a:t>
             </a:r>
             <a:r>
               <a:rPr lang="en" sz="2400" dirty="0">
@@ -9948,6 +9952,18 @@
                 <a:sym typeface="Courier New"/>
               </a:rPr>
               <a:t>def</a:t>
+            </a:r>
+            <a:r>
+              <a:rPr lang="en-US" sz="2400" dirty="0">
+                <a:solidFill>
+                  <a:srgbClr val="0B5C92"/>
+                </a:solidFill>
+                <a:latin typeface="Menlo Regular"/>
+                <a:ea typeface="Menlo Regular"/>
+                <a:cs typeface="Menlo Regular"/>
+                <a:sym typeface="Courier New"/>
+              </a:rPr>
+              <a:t>:</a:t>
             </a:r>
             <a:r>
               <a:rPr lang="en" sz="2400" dirty="0">
@@ -9962,7 +9978,7 @@
               <a:t> </a:t>
             </a:r>
             <a:r>
-              <a:rPr lang="en" sz="2400" dirty="0">
+              <a:rPr lang="en-US" sz="2400" dirty="0">
                 <a:solidFill>
                   <a:srgbClr val="000000"/>
                 </a:solidFill>
@@ -9971,34 +9987,22 @@
                 <a:cs typeface="Open Sans"/>
                 <a:sym typeface="Open Sans"/>
               </a:rPr>
-              <a:t>and </a:t>
+              <a:t>starts </a:t>
             </a:r>
             <a:r>
               <a:rPr lang="en" sz="2400" dirty="0">
                 <a:solidFill>
-                  <a:srgbClr val="0B5C92"/>
-                </a:solidFill>
-                <a:latin typeface="Menlo Regular"/>
-                <a:ea typeface="Menlo Regular"/>
-                <a:cs typeface="Menlo Regular"/>
-                <a:sym typeface="Courier New"/>
-              </a:rPr>
-              <a:t>end</a:t>
-            </a:r>
-            <a:r>
-              <a:rPr lang="en" sz="2400" dirty="0">
-                <a:solidFill>
-                  <a:srgbClr val="0B5C92"/>
+                  <a:srgbClr val="000000"/>
                 </a:solidFill>
                 <a:latin typeface="Open Sans"/>
                 <a:ea typeface="Open Sans"/>
                 <a:cs typeface="Open Sans"/>
                 <a:sym typeface="Open Sans"/>
               </a:rPr>
-              <a:t> </a:t>
-            </a:r>
-            <a:r>
-              <a:rPr lang="en" sz="2400" dirty="0">
+              <a:t>a </a:t>
+            </a:r>
+            <a:r>
+              <a:rPr lang="en" sz="2400" b="1" i="1" dirty="0">
                 <a:solidFill>
                   <a:srgbClr val="000000"/>
                 </a:solidFill>
@@ -10007,20 +10011,26 @@
                 <a:cs typeface="Open Sans"/>
                 <a:sym typeface="Open Sans"/>
               </a:rPr>
-              <a:t>start and end a </a:t>
-            </a:r>
-            <a:r>
-              <a:rPr lang="en" sz="2400" b="1" i="1" dirty="0">
+              <a:t>method</a:t>
+            </a:r>
+            <a:r>
+              <a:rPr lang="en-US" sz="2400" dirty="0">
                 <a:solidFill>
                   <a:srgbClr val="000000"/>
                 </a:solidFill>
-                <a:latin typeface="Open Sans"/>
-                <a:ea typeface="Open Sans"/>
-                <a:cs typeface="Open Sans"/>
                 <a:sym typeface="Open Sans"/>
               </a:rPr>
-              <a:t>method</a:t>
-            </a:r>
+              <a:t>, tabbing closes it</a:t>
+            </a:r>
+            <a:endParaRPr lang="en" sz="2400" b="1" i="1" dirty="0">
+              <a:solidFill>
+                <a:srgbClr val="000000"/>
+              </a:solidFill>
+              <a:latin typeface="Open Sans"/>
+              <a:ea typeface="Open Sans"/>
+              <a:cs typeface="Open Sans"/>
+              <a:sym typeface="Open Sans"/>
+            </a:endParaRPr>
           </a:p>
           <a:p>
             <a:pPr marL="457200" lvl="0" indent="-381000" rtl="0">
@@ -10087,26 +10097,10 @@
                 <a:cs typeface="Open Sans"/>
                 <a:sym typeface="Open Sans"/>
               </a:rPr>
-              <a:t> keyword not required</a:t>
-            </a:r>
-          </a:p>
-          <a:p>
-            <a:pPr marL="914400" lvl="1" indent="-381000" rtl="0">
-              <a:lnSpc>
-                <a:spcPct val="115000"/>
-              </a:lnSpc>
-              <a:spcBef>
-                <a:spcPts val="0"/>
-              </a:spcBef>
-              <a:buClr>
-                <a:srgbClr val="000000"/>
-              </a:buClr>
-              <a:buSzPct val="80000"/>
-              <a:buFont typeface="Courier New"/>
-              <a:buChar char="o"/>
-            </a:pPr>
-            <a:r>
-              <a:rPr lang="en" dirty="0">
+              <a:t> keyword </a:t>
+            </a:r>
+            <a:r>
+              <a:rPr lang="en-US" sz="2400" dirty="0">
                 <a:solidFill>
                   <a:srgbClr val="000000"/>
                 </a:solidFill>
@@ -10115,14 +10109,20 @@
                 <a:cs typeface="Open Sans"/>
                 <a:sym typeface="Open Sans"/>
               </a:rPr>
-              <a:t>last statement</a:t>
-            </a:r>
-          </a:p>
-          <a:p>
-            <a:pPr lvl="0" rtl="0">
-              <a:spcBef>
-                <a:spcPts val="0"/>
-              </a:spcBef>
+              <a:t>required (unless we don't want anything back)</a:t>
+            </a:r>
+            <a:endParaRPr lang="en" sz="2400" dirty="0">
+              <a:solidFill>
+                <a:srgbClr val="000000"/>
+              </a:solidFill>
+              <a:latin typeface="Open Sans"/>
+              <a:ea typeface="Open Sans"/>
+              <a:cs typeface="Open Sans"/>
+              <a:sym typeface="Open Sans"/>
+            </a:endParaRPr>
+          </a:p>
+          <a:p>
+            <a:pPr lvl="0">
               <a:buNone/>
             </a:pPr>
             <a:r>
@@ -10138,7 +10138,7 @@
               <a:t>use </a:t>
             </a:r>
             <a:r>
-              <a:rPr lang="en" sz="2400" dirty="0">
+              <a:rPr lang="en-US" sz="2400" dirty="0">
                 <a:solidFill>
                   <a:srgbClr val="0B5C92"/>
                 </a:solidFill>
@@ -10147,7 +10147,7 @@
                 <a:cs typeface="Menlo Regular"/>
                 <a:sym typeface="Courier New"/>
               </a:rPr>
-              <a:t>#</a:t>
+              <a:t># or """a_comment"""</a:t>
             </a:r>
             <a:r>
               <a:rPr lang="en" sz="2400" dirty="0">
@@ -10159,7 +10159,7 @@
                 <a:cs typeface="Open Sans"/>
                 <a:sym typeface="Open Sans"/>
               </a:rPr>
-              <a:t> at the beginning of a line to write a </a:t>
+              <a:t> at the beginning of a to write a </a:t>
             </a:r>
             <a:r>
               <a:rPr lang="en" sz="2400" b="1" dirty="0">
@@ -10190,73 +10190,81 @@
                 <a:solidFill>
                   <a:srgbClr val="000000"/>
                 </a:solidFill>
+                <a:sym typeface="Open Sans"/>
+              </a:rPr>
+              <a:t>(</a:t>
+            </a:r>
+            <a:r>
+              <a:rPr lang="en-US" sz="2400" dirty="0">
+                <a:solidFill>
+                  <a:srgbClr val="000000"/>
+                </a:solidFill>
+                <a:sym typeface="Open Sans"/>
+              </a:rPr>
+              <a:t>Python </a:t>
+            </a:r>
+            <a:r>
+              <a:rPr lang="en" sz="2400" dirty="0">
+                <a:solidFill>
+                  <a:srgbClr val="000000"/>
+                </a:solidFill>
+                <a:sym typeface="Open Sans"/>
+              </a:rPr>
+              <a:t>will ignore everything on the line </a:t>
+            </a:r>
+            <a:r>
+              <a:rPr lang="en-US" sz="2400" dirty="0">
+                <a:solidFill>
+                  <a:srgbClr val="000000"/>
+                </a:solidFill>
+                <a:sym typeface="Open Sans"/>
+              </a:rPr>
+              <a:t>a</a:t>
+            </a:r>
+            <a:r>
+              <a:rPr lang="en" sz="2400" dirty="0">
+                <a:solidFill>
+                  <a:srgbClr val="000000"/>
+                </a:solidFill>
+                <a:sym typeface="Open Sans"/>
+              </a:rPr>
+              <a:t>fter the </a:t>
+            </a:r>
+            <a:r>
+              <a:rPr lang="en" sz="2400" dirty="0">
+                <a:solidFill>
+                  <a:srgbClr val="0B5C92"/>
+                </a:solidFill>
+                <a:latin typeface="Menlo Regular"/>
+                <a:ea typeface="Menlo Regular"/>
+                <a:cs typeface="Menlo Regular"/>
+                <a:sym typeface="Courier New"/>
+              </a:rPr>
+              <a:t>#</a:t>
+            </a:r>
+            <a:r>
+              <a:rPr lang="en-US" sz="2400" dirty="0">
+                <a:solidFill>
+                  <a:srgbClr val="0B5C92"/>
+                </a:solidFill>
+                <a:latin typeface="Menlo Regular"/>
+                <a:ea typeface="Menlo Regular"/>
+                <a:cs typeface="Menlo Regular"/>
+                <a:sym typeface="Courier New"/>
+              </a:rPr>
+              <a:t> </a:t>
+            </a:r>
+            <a:r>
+              <a:rPr lang="en" sz="2400" dirty="0">
+                <a:solidFill>
+                  <a:srgbClr val="000000"/>
+                </a:solidFill>
                 <a:latin typeface="Open Sans"/>
                 <a:ea typeface="Open Sans"/>
                 <a:cs typeface="Open Sans"/>
                 <a:sym typeface="Open Sans"/>
               </a:rPr>
-              <a:t>(Ruby will ignore everything on the line after the </a:t>
-            </a:r>
-            <a:r>
-              <a:rPr lang="en" sz="2400" dirty="0">
-                <a:solidFill>
-                  <a:srgbClr val="0B5C92"/>
-                </a:solidFill>
-                <a:latin typeface="Menlo Regular"/>
-                <a:ea typeface="Menlo Regular"/>
-                <a:cs typeface="Menlo Regular"/>
-                <a:sym typeface="Courier New"/>
-              </a:rPr>
-              <a:t>#</a:t>
-            </a:r>
-            <a:r>
-              <a:rPr lang="en" sz="2400" dirty="0">
-                <a:solidFill>
-                  <a:srgbClr val="000000"/>
-                </a:solidFill>
-                <a:latin typeface="Open Sans"/>
-                <a:ea typeface="Open Sans"/>
-                <a:cs typeface="Open Sans"/>
-                <a:sym typeface="Open Sans"/>
-              </a:rPr>
               <a:t>)</a:t>
-            </a:r>
-          </a:p>
-          <a:p>
-            <a:pPr lvl="0" rtl="0">
-              <a:spcBef>
-                <a:spcPts val="0"/>
-              </a:spcBef>
-              <a:buNone/>
-            </a:pPr>
-            <a:r>
-              <a:rPr lang="en" sz="2400" b="1" dirty="0">
-                <a:latin typeface="Open Sans"/>
-                <a:ea typeface="Open Sans"/>
-                <a:cs typeface="Open Sans"/>
-                <a:sym typeface="Open Sans"/>
-              </a:rPr>
-              <a:t>Exception?</a:t>
-            </a:r>
-          </a:p>
-          <a:p>
-            <a:pPr>
-              <a:spcBef>
-                <a:spcPts val="0"/>
-              </a:spcBef>
-              <a:buNone/>
-            </a:pPr>
-            <a:r>
-              <a:rPr lang="en" sz="2400" dirty="0">
-                <a:solidFill>
-                  <a:srgbClr val="FF0000"/>
-                </a:solidFill>
-                <a:latin typeface="Menlo Regular"/>
-                <a:ea typeface="Menlo Regular"/>
-                <a:cs typeface="Menlo Regular"/>
-                <a:sym typeface="Courier New"/>
-              </a:rPr>
-              <a:t>"#{variable}"</a:t>
             </a:r>
           </a:p>
         </p:txBody>
@@ -10848,6 +10856,27 @@
               </a:rPr>
               <a:t>Coffee</a:t>
             </a:r>
+            <a:r>
+              <a:rPr lang="en-US" sz="2400" dirty="0">
+                <a:solidFill>
+                  <a:srgbClr val="344175"/>
+                </a:solidFill>
+                <a:latin typeface="Menlo Regular"/>
+                <a:ea typeface="Menlo Regular"/>
+                <a:cs typeface="Menlo Regular"/>
+                <a:sym typeface="Courier New"/>
+              </a:rPr>
+              <a:t>:</a:t>
+            </a:r>
+            <a:endParaRPr lang="en" sz="2400" dirty="0">
+              <a:solidFill>
+                <a:srgbClr val="344175"/>
+              </a:solidFill>
+              <a:latin typeface="Menlo Regular"/>
+              <a:ea typeface="Menlo Regular"/>
+              <a:cs typeface="Menlo Regular"/>
+              <a:sym typeface="Courier New"/>
+            </a:endParaRPr>
           </a:p>
           <a:p>
             <a:pPr lvl="0" rtl="0">
@@ -10856,6 +10885,18 @@
               </a:spcBef>
               <a:buNone/>
             </a:pPr>
+            <a:r>
+              <a:rPr lang="en-US" sz="2400" dirty="0">
+                <a:solidFill>
+                  <a:srgbClr val="000000"/>
+                </a:solidFill>
+                <a:latin typeface="Menlo Regular"/>
+                <a:ea typeface="Menlo Regular"/>
+                <a:cs typeface="Menlo Regular"/>
+                <a:sym typeface="Courier New"/>
+              </a:rPr>
+              <a:t>	pass</a:t>
+            </a:r>
             <a:endParaRPr sz="2400" dirty="0">
               <a:solidFill>
                 <a:srgbClr val="000000"/>
@@ -10873,26 +10914,6 @@
               </a:spcBef>
               <a:buNone/>
             </a:pPr>
-            <a:r>
-              <a:rPr lang="en" sz="2400" dirty="0">
-                <a:solidFill>
-                  <a:srgbClr val="000000"/>
-                </a:solidFill>
-                <a:latin typeface="Menlo Regular"/>
-                <a:ea typeface="Menlo Regular"/>
-                <a:cs typeface="Menlo Regular"/>
-                <a:sym typeface="Courier New"/>
-              </a:rPr>
-              <a:t>end</a:t>
-            </a:r>
-          </a:p>
-          <a:p>
-            <a:pPr lvl="0" rtl="0">
-              <a:spcBef>
-                <a:spcPts val="0"/>
-              </a:spcBef>
-              <a:buNone/>
-            </a:pPr>
             <a:endParaRPr sz="2400" dirty="0">
               <a:solidFill>
                 <a:srgbClr val="000000"/>
@@ -10935,6 +10956,47 @@
               <a:t>Coffee</a:t>
             </a:r>
             <a:r>
+              <a:rPr lang="en-US" sz="2400" dirty="0">
+                <a:solidFill>
+                  <a:srgbClr val="000000"/>
+                </a:solidFill>
+                <a:latin typeface="Menlo Regular"/>
+                <a:ea typeface="Menlo Regular"/>
+                <a:cs typeface="Menlo Regular"/>
+                <a:sym typeface="Courier New"/>
+              </a:rPr>
+              <a:t>()</a:t>
+            </a:r>
+            <a:endParaRPr lang="en" sz="2400" dirty="0">
+              <a:solidFill>
+                <a:srgbClr val="000000"/>
+              </a:solidFill>
+              <a:latin typeface="Menlo Regular"/>
+              <a:ea typeface="Menlo Regular"/>
+              <a:cs typeface="Menlo Regular"/>
+              <a:sym typeface="Courier New"/>
+            </a:endParaRPr>
+          </a:p>
+          <a:p>
+            <a:pPr lvl="0" rtl="0">
+              <a:spcBef>
+                <a:spcPts val="0"/>
+              </a:spcBef>
+              <a:buNone/>
+            </a:pPr>
+            <a:r>
+              <a:rPr lang="en-US" sz="2400" dirty="0">
+                <a:solidFill>
+                  <a:srgbClr val="0B5C92"/>
+                </a:solidFill>
+                <a:latin typeface="Menlo Regular"/>
+                <a:ea typeface="Menlo Regular"/>
+                <a:cs typeface="Menlo Regular"/>
+                <a:sym typeface="Courier New"/>
+              </a:rPr>
+              <a:t>print(</a:t>
+            </a:r>
+            <a:r>
               <a:rPr lang="en" sz="2400" dirty="0">
                 <a:solidFill>
                   <a:srgbClr val="000000"/>
@@ -10944,30 +11006,10 @@
                 <a:cs typeface="Menlo Regular"/>
                 <a:sym typeface="Courier New"/>
               </a:rPr>
-              <a:t>.new</a:t>
-            </a:r>
-          </a:p>
-          <a:p>
-            <a:pPr lvl="0" rtl="0">
-              <a:spcBef>
-                <a:spcPts val="0"/>
-              </a:spcBef>
-              <a:buNone/>
-            </a:pPr>
-            <a:r>
-              <a:rPr lang="en" sz="2400" dirty="0">
-                <a:solidFill>
-                  <a:srgbClr val="0B5C92"/>
-                </a:solidFill>
-                <a:latin typeface="Menlo Regular"/>
-                <a:ea typeface="Menlo Regular"/>
-                <a:cs typeface="Menlo Regular"/>
-                <a:sym typeface="Courier New"/>
-              </a:rPr>
-              <a:t>puts</a:t>
-            </a:r>
-            <a:r>
-              <a:rPr lang="en" sz="2400" dirty="0">
+              <a:t>c</a:t>
+            </a:r>
+            <a:r>
+              <a:rPr lang="en-US" sz="2400" dirty="0">
                 <a:solidFill>
                   <a:srgbClr val="000000"/>
                 </a:solidFill>
@@ -10976,8 +11018,17 @@
                 <a:cs typeface="Menlo Regular"/>
                 <a:sym typeface="Courier New"/>
               </a:rPr>
-              <a:t> c</a:t>
-            </a:r>
+              <a:t>)</a:t>
+            </a:r>
+            <a:endParaRPr lang="en" sz="2400" dirty="0">
+              <a:solidFill>
+                <a:srgbClr val="000000"/>
+              </a:solidFill>
+              <a:latin typeface="Menlo Regular"/>
+              <a:ea typeface="Menlo Regular"/>
+              <a:cs typeface="Menlo Regular"/>
+              <a:sym typeface="Courier New"/>
+            </a:endParaRPr>
           </a:p>
           <a:p>
             <a:pPr lvl="0" rtl="0">
@@ -11190,6 +11241,27 @@
               </a:rPr>
               <a:t>Coffee</a:t>
             </a:r>
+            <a:r>
+              <a:rPr lang="en-US" sz="2400" dirty="0">
+                <a:solidFill>
+                  <a:srgbClr val="0B5C92"/>
+                </a:solidFill>
+                <a:latin typeface="Menlo Regular"/>
+                <a:ea typeface="Menlo Regular"/>
+                <a:cs typeface="Menlo Regular"/>
+                <a:sym typeface="Courier New"/>
+              </a:rPr>
+              <a:t>:</a:t>
+            </a:r>
+            <a:endParaRPr lang="en" sz="2400" dirty="0">
+              <a:solidFill>
+                <a:srgbClr val="0B5C92"/>
+              </a:solidFill>
+              <a:latin typeface="Menlo Regular"/>
+              <a:ea typeface="Menlo Regular"/>
+              <a:cs typeface="Menlo Regular"/>
+              <a:sym typeface="Courier New"/>
+            </a:endParaRPr>
           </a:p>
           <a:p>
             <a:pPr lvl="0" rtl="0">
@@ -11211,17 +11283,91 @@
               <a:t>    def </a:t>
             </a:r>
             <a:r>
+              <a:rPr lang="en-US" sz="2400" dirty="0">
+                <a:solidFill>
+                  <a:srgbClr val="84000C"/>
+                </a:solidFill>
+                <a:latin typeface="Menlo Regular"/>
+                <a:ea typeface="Menlo Regular"/>
+                <a:cs typeface="Menlo Regular"/>
+                <a:sym typeface="Courier New"/>
+              </a:rPr>
+              <a:t>__init__(self):</a:t>
+            </a:r>
+            <a:endParaRPr lang="en" sz="2400" dirty="0">
+              <a:solidFill>
+                <a:srgbClr val="84000C"/>
+              </a:solidFill>
+              <a:latin typeface="Menlo Regular"/>
+              <a:ea typeface="Menlo Regular"/>
+              <a:cs typeface="Menlo Regular"/>
+              <a:sym typeface="Courier New"/>
+            </a:endParaRPr>
+          </a:p>
+          <a:p>
+            <a:pPr lvl="0" rtl="0">
+              <a:spcBef>
+                <a:spcPts val="0"/>
+              </a:spcBef>
+              <a:buNone/>
+            </a:pPr>
+            <a:r>
               <a:rPr lang="en" sz="2400" dirty="0">
                 <a:solidFill>
-                  <a:srgbClr val="84000C"/>
-                </a:solidFill>
-                <a:latin typeface="Menlo Regular"/>
-                <a:ea typeface="Menlo Regular"/>
-                <a:cs typeface="Menlo Regular"/>
-                <a:sym typeface="Courier New"/>
-              </a:rPr>
-              <a:t>initialize</a:t>
-            </a:r>
+                  <a:schemeClr val="tx1"/>
+                </a:solidFill>
+                <a:latin typeface="Menlo Regular"/>
+                <a:ea typeface="Menlo Regular"/>
+                <a:cs typeface="Menlo Regular"/>
+                <a:sym typeface="Courier New"/>
+              </a:rPr>
+              <a:t>        </a:t>
+            </a:r>
+            <a:r>
+              <a:rPr lang="en-US" sz="2400" dirty="0">
+                <a:solidFill>
+                  <a:srgbClr val="0E6E6D"/>
+                </a:solidFill>
+                <a:latin typeface="Menlo Regular"/>
+                <a:ea typeface="Menlo Regular"/>
+                <a:cs typeface="Menlo Regular"/>
+                <a:sym typeface="Courier New"/>
+              </a:rPr>
+              <a:t>print("</a:t>
+            </a:r>
+            <a:r>
+              <a:rPr lang="en" sz="2400" dirty="0">
+                <a:solidFill>
+                  <a:srgbClr val="FF0000"/>
+                </a:solidFill>
+                <a:latin typeface="Menlo Regular"/>
+                <a:ea typeface="Menlo Regular"/>
+                <a:cs typeface="Menlo Regular"/>
+                <a:sym typeface="Courier New"/>
+              </a:rPr>
+              <a:t>Coffee is created</a:t>
+            </a:r>
+            <a:r>
+              <a:rPr lang="en-US" sz="2400" dirty="0">
+                <a:solidFill>
+                  <a:srgbClr val="FF0000"/>
+                </a:solidFill>
+                <a:latin typeface="Menlo Regular"/>
+                <a:ea typeface="Menlo Regular"/>
+                <a:cs typeface="Menlo Regular"/>
+                <a:sym typeface="Courier New"/>
+              </a:rPr>
+              <a:t>")</a:t>
+            </a:r>
+            <a:endParaRPr lang="en" sz="2400" dirty="0">
+              <a:solidFill>
+                <a:srgbClr val="FF0000"/>
+              </a:solidFill>
+              <a:latin typeface="Menlo Regular"/>
+              <a:ea typeface="Menlo Regular"/>
+              <a:cs typeface="Menlo Regular"/>
+              <a:sym typeface="Courier New"/>
+            </a:endParaRPr>
           </a:p>
           <a:p>
             <a:pPr lvl="0" rtl="0">
@@ -11230,94 +11376,15 @@
               </a:spcBef>
               <a:buNone/>
             </a:pPr>
-            <a:r>
-              <a:rPr lang="en" sz="2400" dirty="0">
-                <a:solidFill>
-                  <a:schemeClr val="tx1"/>
-                </a:solidFill>
-                <a:latin typeface="Menlo Regular"/>
-                <a:ea typeface="Menlo Regular"/>
-                <a:cs typeface="Menlo Regular"/>
-                <a:sym typeface="Courier New"/>
-              </a:rPr>
-              <a:t>        </a:t>
-            </a:r>
-            <a:r>
-              <a:rPr lang="en" sz="2400" dirty="0">
-                <a:solidFill>
-                  <a:srgbClr val="0E6E6D"/>
-                </a:solidFill>
-                <a:latin typeface="Menlo Regular"/>
-                <a:ea typeface="Menlo Regular"/>
-                <a:cs typeface="Menlo Regular"/>
-                <a:sym typeface="Courier New"/>
-              </a:rPr>
-              <a:t>puts</a:t>
-            </a:r>
-            <a:r>
-              <a:rPr lang="en" sz="2400" dirty="0">
-                <a:solidFill>
-                  <a:schemeClr val="tx1"/>
-                </a:solidFill>
-                <a:latin typeface="Menlo Regular"/>
-                <a:ea typeface="Menlo Regular"/>
-                <a:cs typeface="Menlo Regular"/>
-                <a:sym typeface="Courier New"/>
-              </a:rPr>
-              <a:t> </a:t>
-            </a:r>
-            <a:r>
-              <a:rPr lang="en" sz="2400" dirty="0">
-                <a:solidFill>
-                  <a:srgbClr val="FF0000"/>
-                </a:solidFill>
-                <a:latin typeface="Menlo Regular"/>
-                <a:ea typeface="Menlo Regular"/>
-                <a:cs typeface="Menlo Regular"/>
-                <a:sym typeface="Courier New"/>
-              </a:rPr>
-              <a:t>"Coffee is created"</a:t>
-            </a:r>
-          </a:p>
-          <a:p>
-            <a:pPr lvl="0" rtl="0">
-              <a:spcBef>
-                <a:spcPts val="0"/>
-              </a:spcBef>
-              <a:buNone/>
-            </a:pPr>
-            <a:r>
-              <a:rPr lang="en" sz="2400" dirty="0">
-                <a:solidFill>
-                  <a:schemeClr val="tx1"/>
-                </a:solidFill>
-                <a:latin typeface="Menlo Regular"/>
-                <a:ea typeface="Menlo Regular"/>
-                <a:cs typeface="Menlo Regular"/>
-                <a:sym typeface="Courier New"/>
-              </a:rPr>
-              <a:t>    end</a:t>
-            </a:r>
-          </a:p>
-          <a:p>
-            <a:pPr lvl="0" rtl="0">
-              <a:spcBef>
-                <a:spcPts val="0"/>
-              </a:spcBef>
-              <a:buNone/>
-            </a:pPr>
-            <a:r>
-              <a:rPr lang="en" sz="2400" dirty="0">
-                <a:solidFill>
-                  <a:schemeClr val="tx1"/>
-                </a:solidFill>
-                <a:latin typeface="Menlo Regular"/>
-                <a:ea typeface="Menlo Regular"/>
-                <a:cs typeface="Menlo Regular"/>
-                <a:sym typeface="Courier New"/>
-              </a:rPr>
-              <a:t>end</a:t>
-            </a:r>
+            <a:endParaRPr lang="en-US" sz="2400" dirty="0">
+              <a:solidFill>
+                <a:schemeClr val="tx1"/>
+              </a:solidFill>
+              <a:latin typeface="Menlo Regular"/>
+              <a:ea typeface="Menlo Regular"/>
+              <a:cs typeface="Menlo Regular"/>
+              <a:sym typeface="Courier New"/>
+            </a:endParaRPr>
           </a:p>
           <a:p>
             <a:pPr lvl="0" rtl="0">
@@ -11365,7 +11432,7 @@
               <a:t>Coffee</a:t>
             </a:r>
             <a:r>
-              <a:rPr lang="en" sz="2400" dirty="0">
+              <a:rPr lang="en-US" sz="2400" dirty="0">
                 <a:solidFill>
                   <a:srgbClr val="000000"/>
                 </a:solidFill>
@@ -11374,8 +11441,34 @@
                 <a:cs typeface="Menlo Regular"/>
                 <a:sym typeface="Courier New"/>
               </a:rPr>
-              <a:t>.new</a:t>
-            </a:r>
+              <a:t>()</a:t>
+            </a:r>
+            <a:endParaRPr lang="en" sz="2400" dirty="0">
+              <a:solidFill>
+                <a:srgbClr val="000000"/>
+              </a:solidFill>
+              <a:latin typeface="Menlo Regular"/>
+              <a:ea typeface="Menlo Regular"/>
+              <a:cs typeface="Menlo Regular"/>
+              <a:sym typeface="Courier New"/>
+            </a:endParaRPr>
+          </a:p>
+          <a:p>
+            <a:pPr lvl="0" rtl="0">
+              <a:spcBef>
+                <a:spcPts val="0"/>
+              </a:spcBef>
+              <a:buNone/>
+            </a:pPr>
+            <a:endParaRPr lang="en-US" sz="2400" dirty="0" smtClean="0">
+              <a:solidFill>
+                <a:schemeClr val="tx1"/>
+              </a:solidFill>
+              <a:latin typeface="Menlo Regular"/>
+              <a:ea typeface="Menlo Regular"/>
+              <a:cs typeface="Menlo Regular"/>
+              <a:sym typeface="Courier New"/>
+            </a:endParaRPr>
           </a:p>
           <a:p>
             <a:pPr lvl="0" rtl="0">
@@ -11580,6 +11673,27 @@
               </a:rPr>
               <a:t>Coffee</a:t>
             </a:r>
+            <a:r>
+              <a:rPr lang="en-US" sz="2400" dirty="0">
+                <a:solidFill>
+                  <a:srgbClr val="0B5C92"/>
+                </a:solidFill>
+                <a:latin typeface="Menlo Regular"/>
+                <a:ea typeface="Menlo Regular"/>
+                <a:cs typeface="Menlo Regular"/>
+                <a:sym typeface="Courier New"/>
+              </a:rPr>
+              <a:t>:</a:t>
+            </a:r>
+            <a:endParaRPr lang="en" sz="2400" dirty="0">
+              <a:solidFill>
+                <a:srgbClr val="0B5C92"/>
+              </a:solidFill>
+              <a:latin typeface="Menlo Regular"/>
+              <a:ea typeface="Menlo Regular"/>
+              <a:cs typeface="Menlo Regular"/>
+              <a:sym typeface="Courier New"/>
+            </a:endParaRPr>
           </a:p>
           <a:p>
             <a:pPr lvl="0" rtl="0">
@@ -11613,28 +11727,97 @@
               <a:t>def </a:t>
             </a:r>
             <a:r>
+              <a:rPr lang="en-US" sz="2400" dirty="0">
+                <a:solidFill>
+                  <a:srgbClr val="84000C"/>
+                </a:solidFill>
+                <a:latin typeface="Menlo Regular"/>
+                <a:ea typeface="Menlo Regular"/>
+                <a:cs typeface="Menlo Regular"/>
+                <a:sym typeface="Courier New"/>
+              </a:rPr>
+              <a:t>__init__(self):</a:t>
+            </a:r>
+            <a:endParaRPr lang="en" sz="2400" dirty="0">
+              <a:solidFill>
+                <a:srgbClr val="84000C"/>
+              </a:solidFill>
+              <a:latin typeface="Menlo Regular"/>
+              <a:ea typeface="Menlo Regular"/>
+              <a:cs typeface="Menlo Regular"/>
+              <a:sym typeface="Courier New"/>
+            </a:endParaRPr>
+          </a:p>
+          <a:p>
+            <a:pPr lvl="0" rtl="0">
+              <a:spcBef>
+                <a:spcPts val="0"/>
+              </a:spcBef>
+              <a:buNone/>
+            </a:pPr>
+            <a:r>
               <a:rPr lang="en" sz="2400" dirty="0">
                 <a:solidFill>
-                  <a:srgbClr val="84000C"/>
-                </a:solidFill>
-                <a:latin typeface="Menlo Regular"/>
-                <a:ea typeface="Menlo Regular"/>
-                <a:cs typeface="Menlo Regular"/>
-                <a:sym typeface="Courier New"/>
-              </a:rPr>
-              <a:t>initialize</a:t>
-            </a:r>
-          </a:p>
-          <a:p>
-            <a:pPr lvl="0" rtl="0">
-              <a:spcBef>
-                <a:spcPts val="0"/>
-              </a:spcBef>
-              <a:buNone/>
-            </a:pPr>
+                  <a:schemeClr val="tx1"/>
+                </a:solidFill>
+                <a:latin typeface="Menlo Regular"/>
+                <a:ea typeface="Menlo Regular"/>
+                <a:cs typeface="Menlo Regular"/>
+                <a:sym typeface="Courier New"/>
+              </a:rPr>
+              <a:t>  </a:t>
+            </a:r>
+            <a:r>
+              <a:rPr lang="en-US" sz="2400" dirty="0">
+                <a:solidFill>
+                  <a:schemeClr val="tx1"/>
+                </a:solidFill>
+                <a:latin typeface="Menlo Regular"/>
+                <a:ea typeface="Menlo Regular"/>
+                <a:cs typeface="Menlo Regular"/>
+                <a:sym typeface="Courier New"/>
+              </a:rPr>
+              <a:t> </a:t>
+            </a:r>
+            <a:r>
+              <a:rPr lang="en-US" sz="2400" dirty="0" smtClean="0">
+                <a:solidFill>
+                  <a:schemeClr val="tx1"/>
+                </a:solidFill>
+                <a:latin typeface="Menlo Regular"/>
+                <a:ea typeface="Menlo Regular"/>
+                <a:cs typeface="Menlo Regular"/>
+                <a:sym typeface="Courier New"/>
+              </a:rPr>
+              <a:t> </a:t>
+            </a:r>
+            <a:r>
+              <a:rPr lang="en-US" sz="2400" dirty="0">
+                <a:solidFill>
+                  <a:srgbClr val="0E6E6D"/>
+                </a:solidFill>
+                <a:latin typeface="Menlo Regular"/>
+                <a:ea typeface="Menlo Regular"/>
+                <a:cs typeface="Menlo Regular"/>
+                <a:sym typeface="Courier New"/>
+              </a:rPr>
+              <a:t>self.</a:t>
+            </a:r>
             <a:r>
               <a:rPr lang="en" sz="2400" dirty="0">
                 <a:solidFill>
+                  <a:srgbClr val="0E6E6D"/>
+                </a:solidFill>
+                <a:latin typeface="Menlo Regular"/>
+                <a:ea typeface="Menlo Regular"/>
+                <a:cs typeface="Menlo Regular"/>
+                <a:sym typeface="Courier New"/>
+              </a:rPr>
+              <a:t>temperature </a:t>
+            </a:r>
+            <a:r>
+              <a:rPr lang="en" sz="2400" dirty="0">
+                <a:solidFill>
                   <a:schemeClr val="tx1"/>
                 </a:solidFill>
                 <a:latin typeface="Menlo Regular"/>
@@ -11642,10 +11825,15 @@
                 <a:cs typeface="Menlo Regular"/>
                 <a:sym typeface="Courier New"/>
               </a:rPr>
-              <a:t>  </a:t>
-            </a:r>
-            <a:r>
-              <a:rPr lang="en-US" sz="2400" dirty="0">
+              <a:t>= 0</a:t>
+            </a:r>
+          </a:p>
+          <a:p>
+            <a:pPr lvl="0">
+              <a:buNone/>
+            </a:pPr>
+            <a:r>
+              <a:rPr lang="en" sz="2400" dirty="0">
                 <a:solidFill>
                   <a:schemeClr val="tx1"/>
                 </a:solidFill>
@@ -11654,23 +11842,11 @@
                 <a:cs typeface="Menlo Regular"/>
                 <a:sym typeface="Courier New"/>
               </a:rPr>
-              <a:t> </a:t>
+              <a:t>    </a:t>
             </a:r>
             <a:r>
               <a:rPr lang="en-US" sz="2400" dirty="0" smtClean="0">
                 <a:solidFill>
-                  <a:schemeClr val="tx1"/>
-                </a:solidFill>
-                <a:latin typeface="Menlo Regular"/>
-                <a:ea typeface="Menlo Regular"/>
-                <a:cs typeface="Menlo Regular"/>
-                <a:sym typeface="Courier New"/>
-              </a:rPr>
-              <a:t> </a:t>
-            </a:r>
-            <a:r>
-              <a:rPr lang="en" sz="2400" dirty="0" smtClean="0">
-                <a:solidFill>
                   <a:srgbClr val="0E6E6D"/>
                 </a:solidFill>
                 <a:latin typeface="Menlo Regular"/>
@@ -11678,60 +11854,7 @@
                 <a:cs typeface="Menlo Regular"/>
                 <a:sym typeface="Courier New"/>
               </a:rPr>
-              <a:t>@</a:t>
-            </a:r>
-            <a:r>
-              <a:rPr lang="en" sz="2400" dirty="0">
-                <a:solidFill>
-                  <a:srgbClr val="0E6E6D"/>
-                </a:solidFill>
-                <a:latin typeface="Menlo Regular"/>
-                <a:ea typeface="Menlo Regular"/>
-                <a:cs typeface="Menlo Regular"/>
-                <a:sym typeface="Courier New"/>
-              </a:rPr>
-              <a:t>temperature </a:t>
-            </a:r>
-            <a:r>
-              <a:rPr lang="en" sz="2400" dirty="0">
-                <a:solidFill>
-                  <a:schemeClr val="tx1"/>
-                </a:solidFill>
-                <a:latin typeface="Menlo Regular"/>
-                <a:ea typeface="Menlo Regular"/>
-                <a:cs typeface="Menlo Regular"/>
-                <a:sym typeface="Courier New"/>
-              </a:rPr>
-              <a:t>= 0</a:t>
-            </a:r>
-          </a:p>
-          <a:p>
-            <a:pPr lvl="0">
-              <a:buNone/>
-            </a:pPr>
-            <a:r>
-              <a:rPr lang="en" sz="2400" dirty="0">
-                <a:solidFill>
-                  <a:schemeClr val="tx1"/>
-                </a:solidFill>
-                <a:latin typeface="Menlo Regular"/>
-                <a:ea typeface="Menlo Regular"/>
-                <a:cs typeface="Menlo Regular"/>
-                <a:sym typeface="Courier New"/>
-              </a:rPr>
-              <a:t>    </a:t>
-            </a:r>
-            <a:r>
-              <a:rPr lang="en" sz="2400" dirty="0" smtClean="0">
-                <a:solidFill>
-                  <a:srgbClr val="0E6E6D"/>
-                </a:solidFill>
-                <a:latin typeface="Menlo Regular"/>
-                <a:ea typeface="Menlo Regular"/>
-                <a:cs typeface="Menlo Regular"/>
-                <a:sym typeface="Courier New"/>
-              </a:rPr>
-              <a:t>@</a:t>
+              <a:t>self.</a:t>
             </a:r>
             <a:r>
               <a:rPr lang="en" sz="2400" dirty="0">
@@ -11792,33 +11915,12 @@
             </a:endParaRPr>
           </a:p>
           <a:p>
-            <a:pPr lvl="0">
-              <a:buNone/>
-            </a:pPr>
-            <a:r>
-              <a:rPr lang="en-US" sz="2400" dirty="0" smtClean="0">
-                <a:solidFill>
-                  <a:schemeClr val="tx1"/>
-                </a:solidFill>
-                <a:latin typeface="Menlo Regular"/>
-                <a:ea typeface="Menlo Regular"/>
-                <a:cs typeface="Menlo Regular"/>
-                <a:sym typeface="Courier New"/>
-              </a:rPr>
-              <a:t>  </a:t>
-            </a:r>
-            <a:r>
-              <a:rPr lang="en" sz="2400" dirty="0" smtClean="0">
-                <a:solidFill>
-                  <a:schemeClr val="tx1"/>
-                </a:solidFill>
-                <a:latin typeface="Menlo Regular"/>
-                <a:ea typeface="Menlo Regular"/>
-                <a:cs typeface="Menlo Regular"/>
-                <a:sym typeface="Courier New"/>
-              </a:rPr>
-              <a:t>end</a:t>
-            </a:r>
+            <a:pPr lvl="0" rtl="0">
+              <a:spcBef>
+                <a:spcPts val="0"/>
+              </a:spcBef>
+              <a:buNone/>
+            </a:pPr>
             <a:endParaRPr sz="2400" dirty="0">
               <a:solidFill>
                 <a:schemeClr val="tx1"/>
@@ -11846,17 +11948,21 @@
                 <a:cs typeface="Menlo Regular"/>
                 <a:sym typeface="Courier New"/>
               </a:rPr>
-              <a:t>end</a:t>
-            </a:r>
-          </a:p>
-          <a:p>
-            <a:pPr lvl="0" rtl="0">
-              <a:spcBef>
-                <a:spcPts val="0"/>
-              </a:spcBef>
-              <a:buNone/>
-            </a:pPr>
-            <a:endParaRPr sz="2400" dirty="0">
+              <a:t>myCoffee = Coffe</a:t>
+            </a:r>
+            <a:r>
+              <a:rPr lang="en-US" sz="2400" dirty="0">
+                <a:solidFill>
+                  <a:schemeClr val="tx1"/>
+                </a:solidFill>
+                <a:latin typeface="Menlo Regular"/>
+                <a:ea typeface="Menlo Regular"/>
+                <a:cs typeface="Menlo Regular"/>
+                <a:sym typeface="Courier New"/>
+              </a:rPr>
+              <a:t>e()</a:t>
+            </a:r>
+            <a:endParaRPr lang="en" sz="2400" dirty="0">
               <a:solidFill>
                 <a:schemeClr val="tx1"/>
               </a:solidFill>
@@ -11867,7 +11973,27 @@
             </a:endParaRPr>
           </a:p>
           <a:p>
-            <a:pPr lvl="0" rtl="0">
+            <a:pPr>
+              <a:spcBef>
+                <a:spcPts val="0"/>
+              </a:spcBef>
+              <a:buNone/>
+            </a:pPr>
+            <a:r>
+              <a:rPr lang="en-US" sz="2400" dirty="0">
+                <a:solidFill>
+                  <a:schemeClr val="tx1"/>
+                </a:solidFill>
+                <a:latin typeface="Menlo Regular"/>
+                <a:ea typeface="Menlo Regular"/>
+                <a:cs typeface="Menlo Regular"/>
+                <a:sym typeface="Courier New"/>
+              </a:rPr>
+              <a:t>c.flavor</a:t>
+            </a:r>
+          </a:p>
+          <a:p>
+            <a:pPr>
               <a:spcBef>
                 <a:spcPts val="0"/>
               </a:spcBef>
@@ -11883,8 +12009,17 @@
                 <a:cs typeface="Menlo Regular"/>
                 <a:sym typeface="Courier New"/>
               </a:rPr>
-              <a:t>myCoffee = Coffee.new</a:t>
-            </a:r>
+              <a:t>=&gt; sweet, smoky, Sumatran</a:t>
+            </a:r>
+            <a:endParaRPr lang="en-US" sz="2400" dirty="0">
+              <a:solidFill>
+                <a:schemeClr val="tx1"/>
+              </a:solidFill>
+              <a:latin typeface="Menlo Regular"/>
+              <a:ea typeface="Menlo Regular"/>
+              <a:cs typeface="Menlo Regular"/>
+              <a:sym typeface="Courier New"/>
+            </a:endParaRPr>
           </a:p>
           <a:p>
             <a:pPr>
@@ -11894,7 +12029,7 @@
               <a:buNone/>
             </a:pPr>
             <a:r>
-              <a:rPr lang="en" sz="2400" dirty="0">
+              <a:rPr lang="en-US" sz="2400" dirty="0">
                 <a:solidFill>
                   <a:schemeClr val="tx1"/>
                 </a:solidFill>
@@ -11903,8 +12038,37 @@
                 <a:cs typeface="Menlo Regular"/>
                 <a:sym typeface="Courier New"/>
               </a:rPr>
-              <a:t>=&gt; #&lt;Coffee:0x007ffb1d025cb8 @temperature=0, @flavor="sweet, smoky, Sumatran"&gt;</a:t>
-            </a:r>
+              <a:t>c.temperature</a:t>
+            </a:r>
+          </a:p>
+          <a:p>
+            <a:pPr>
+              <a:spcBef>
+                <a:spcPts val="0"/>
+              </a:spcBef>
+              <a:buNone/>
+            </a:pPr>
+            <a:r>
+              <a:rPr lang="en-US" sz="2400" dirty="0">
+                <a:solidFill>
+                  <a:schemeClr val="tx1"/>
+                </a:solidFill>
+                <a:latin typeface="Menlo Regular"/>
+                <a:ea typeface="Menlo Regular"/>
+                <a:cs typeface="Menlo Regular"/>
+                <a:sym typeface="Courier New"/>
+              </a:rPr>
+              <a:t>=&gt; 0</a:t>
+            </a:r>
+            <a:endParaRPr lang="en" sz="2400" dirty="0">
+              <a:solidFill>
+                <a:schemeClr val="tx1"/>
+              </a:solidFill>
+              <a:latin typeface="Menlo Regular"/>
+              <a:ea typeface="Menlo Regular"/>
+              <a:cs typeface="Menlo Regular"/>
+              <a:sym typeface="Courier New"/>
+            </a:endParaRPr>
           </a:p>
         </p:txBody>
       </p:sp>
@@ -12052,6 +12216,18 @@
               </a:rPr>
               <a:t>Coffee</a:t>
             </a:r>
+            <a:r>
+              <a:rPr lang="en-US" sz="1800" dirty="0">
+                <a:solidFill>
+                  <a:srgbClr val="0B5C92"/>
+                </a:solidFill>
+                <a:latin typeface="Menlo Regular"/>
+                <a:ea typeface="Menlo Regular"/>
+                <a:cs typeface="Menlo Regular"/>
+                <a:sym typeface="Courier New"/>
+              </a:rPr>
+              <a:t>:</a:t>
+            </a:r>
             <a:endParaRPr lang="en" sz="1800" dirty="0">
               <a:solidFill>
                 <a:schemeClr val="tx1"/>
@@ -12107,32 +12283,20 @@
               <a:t>def </a:t>
             </a:r>
             <a:r>
+              <a:rPr lang="en-US" sz="1800" dirty="0" smtClean="0">
+                <a:solidFill>
+                  <a:srgbClr val="84000C"/>
+                </a:solidFill>
+                <a:latin typeface="Menlo Regular"/>
+                <a:ea typeface="Menlo Regular"/>
+                <a:cs typeface="Menlo Regular"/>
+                <a:sym typeface="Courier New"/>
+              </a:rPr>
+              <a:t>__init__(self, </a:t>
+            </a:r>
+            <a:r>
               <a:rPr lang="en" sz="1800" dirty="0" smtClean="0">
                 <a:solidFill>
-                  <a:srgbClr val="84000C"/>
-                </a:solidFill>
-                <a:latin typeface="Menlo Regular"/>
-                <a:ea typeface="Menlo Regular"/>
-                <a:cs typeface="Menlo Regular"/>
-                <a:sym typeface="Courier New"/>
-              </a:rPr>
-              <a:t>initialize</a:t>
-            </a:r>
-            <a:r>
-              <a:rPr lang="en-US" sz="1800" dirty="0" smtClean="0">
-                <a:solidFill>
-                  <a:srgbClr val="84000C"/>
-                </a:solidFill>
-                <a:latin typeface="Menlo Regular"/>
-                <a:ea typeface="Menlo Regular"/>
-                <a:cs typeface="Menlo Regular"/>
-                <a:sym typeface="Courier New"/>
-              </a:rPr>
-              <a:t>(</a:t>
-            </a:r>
-            <a:r>
-              <a:rPr lang="en" sz="1800" dirty="0" smtClean="0">
-                <a:solidFill>
                   <a:schemeClr val="tx1"/>
                 </a:solidFill>
                 <a:latin typeface="Menlo Regular"/>
@@ -12140,7 +12304,7 @@
                 <a:cs typeface="Menlo Regular"/>
                 <a:sym typeface="Courier New"/>
               </a:rPr>
-              <a:t>temp </a:t>
+              <a:t>temp</a:t>
             </a:r>
             <a:r>
               <a:rPr lang="en" sz="1800" dirty="0">
@@ -12152,7 +12316,7 @@
                 <a:cs typeface="Menlo Regular"/>
                 <a:sym typeface="Courier New"/>
               </a:rPr>
-              <a:t>= </a:t>
+              <a:t>=</a:t>
             </a:r>
             <a:r>
               <a:rPr lang="en" sz="1800" dirty="0">
@@ -12176,7 +12340,7 @@
                 <a:cs typeface="Menlo Regular"/>
                 <a:sym typeface="Courier New"/>
               </a:rPr>
-              <a:t>, flavor = </a:t>
+              <a:t>, flavor=</a:t>
             </a:r>
             <a:r>
               <a:rPr lang="en" sz="1800" dirty="0">
@@ -12202,17 +12366,8 @@
               </a:rPr>
               <a:t>)</a:t>
             </a:r>
-          </a:p>
-          <a:p>
-            <a:pPr lvl="0">
-              <a:buClr>
-                <a:srgbClr val="000000"/>
-              </a:buClr>
-              <a:buSzPct val="61111"/>
-              <a:buNone/>
-            </a:pPr>
-            <a:r>
-              <a:rPr lang="en" sz="1800" dirty="0">
+            <a:r>
+              <a:rPr lang="en-US" sz="1800" dirty="0">
                 <a:solidFill>
                   <a:schemeClr val="tx1"/>
                 </a:solidFill>
@@ -12221,155 +12376,7 @@
                 <a:cs typeface="Menlo Regular"/>
                 <a:sym typeface="Courier New"/>
               </a:rPr>
-              <a:t>    </a:t>
-            </a:r>
-            <a:r>
-              <a:rPr lang="en" sz="1800" dirty="0" smtClean="0">
-                <a:solidFill>
-                  <a:srgbClr val="0E6E6D"/>
-                </a:solidFill>
-                <a:latin typeface="Menlo Regular"/>
-                <a:ea typeface="Menlo Regular"/>
-                <a:cs typeface="Menlo Regular"/>
-                <a:sym typeface="Courier New"/>
-              </a:rPr>
-              <a:t>@</a:t>
-            </a:r>
-            <a:r>
-              <a:rPr lang="en" sz="1800" dirty="0">
-                <a:solidFill>
-                  <a:srgbClr val="0E6E6D"/>
-                </a:solidFill>
-                <a:latin typeface="Menlo Regular"/>
-                <a:ea typeface="Menlo Regular"/>
-                <a:cs typeface="Menlo Regular"/>
-                <a:sym typeface="Courier New"/>
-              </a:rPr>
-              <a:t>temperature </a:t>
-            </a:r>
-            <a:r>
-              <a:rPr lang="en" sz="1800" dirty="0" smtClean="0">
-                <a:solidFill>
-                  <a:schemeClr val="tx1"/>
-                </a:solidFill>
-                <a:latin typeface="Menlo Regular"/>
-                <a:ea typeface="Menlo Regular"/>
-                <a:cs typeface="Menlo Regular"/>
-                <a:sym typeface="Courier New"/>
-              </a:rPr>
-              <a:t>= </a:t>
-            </a:r>
-            <a:r>
-              <a:rPr lang="en" sz="1800" dirty="0">
-                <a:solidFill>
-                  <a:schemeClr val="tx1"/>
-                </a:solidFill>
-                <a:latin typeface="Menlo Regular"/>
-                <a:ea typeface="Menlo Regular"/>
-                <a:cs typeface="Menlo Regular"/>
-                <a:sym typeface="Courier New"/>
-              </a:rPr>
-              <a:t>temp</a:t>
-            </a:r>
-          </a:p>
-          <a:p>
-            <a:pPr lvl="0" rtl="0">
-              <a:spcBef>
-                <a:spcPts val="0"/>
-              </a:spcBef>
-              <a:buNone/>
-            </a:pPr>
-            <a:r>
-              <a:rPr lang="en" sz="1800" dirty="0">
-                <a:solidFill>
-                  <a:schemeClr val="tx1"/>
-                </a:solidFill>
-                <a:latin typeface="Menlo Regular"/>
-                <a:ea typeface="Menlo Regular"/>
-                <a:cs typeface="Menlo Regular"/>
-                <a:sym typeface="Courier New"/>
-              </a:rPr>
-              <a:t>    </a:t>
-            </a:r>
-            <a:r>
-              <a:rPr lang="en" sz="1800" dirty="0" smtClean="0">
-                <a:solidFill>
-                  <a:srgbClr val="0E6E6D"/>
-                </a:solidFill>
-                <a:latin typeface="Menlo Regular"/>
-                <a:ea typeface="Menlo Regular"/>
-                <a:cs typeface="Menlo Regular"/>
-                <a:sym typeface="Courier New"/>
-              </a:rPr>
-              <a:t>@</a:t>
-            </a:r>
-            <a:r>
-              <a:rPr lang="en" sz="1800" dirty="0">
-                <a:solidFill>
-                  <a:srgbClr val="0E6E6D"/>
-                </a:solidFill>
-                <a:latin typeface="Menlo Regular"/>
-                <a:ea typeface="Menlo Regular"/>
-                <a:cs typeface="Menlo Regular"/>
-                <a:sym typeface="Courier New"/>
-              </a:rPr>
-              <a:t>flavor </a:t>
-            </a:r>
-            <a:r>
-              <a:rPr lang="en" sz="1800" dirty="0">
-                <a:solidFill>
-                  <a:schemeClr val="tx1"/>
-                </a:solidFill>
-                <a:latin typeface="Menlo Regular"/>
-                <a:ea typeface="Menlo Regular"/>
-                <a:cs typeface="Menlo Regular"/>
-                <a:sym typeface="Courier New"/>
-              </a:rPr>
-              <a:t>= flavor</a:t>
-            </a:r>
-          </a:p>
-          <a:p>
-            <a:pPr lvl="0" rtl="0">
-              <a:spcBef>
-                <a:spcPts val="0"/>
-              </a:spcBef>
-              <a:buNone/>
-            </a:pPr>
-            <a:r>
-              <a:rPr lang="en-US" sz="1800" dirty="0">
-                <a:solidFill>
-                  <a:schemeClr val="tx1"/>
-                </a:solidFill>
-                <a:latin typeface="Menlo Regular"/>
-                <a:ea typeface="Menlo Regular"/>
-                <a:cs typeface="Menlo Regular"/>
-                <a:sym typeface="Courier New"/>
-              </a:rPr>
-              <a:t> </a:t>
-            </a:r>
-            <a:r>
-              <a:rPr lang="en-US" sz="1800" dirty="0" smtClean="0">
-                <a:solidFill>
-                  <a:schemeClr val="tx1"/>
-                </a:solidFill>
-                <a:latin typeface="Menlo Regular"/>
-                <a:ea typeface="Menlo Regular"/>
-                <a:cs typeface="Menlo Regular"/>
-                <a:sym typeface="Courier New"/>
-              </a:rPr>
-              <a:t> </a:t>
-            </a:r>
-            <a:r>
-              <a:rPr lang="en" sz="1800" dirty="0" smtClean="0">
-                <a:solidFill>
-                  <a:schemeClr val="tx1"/>
-                </a:solidFill>
-                <a:latin typeface="Menlo Regular"/>
-                <a:ea typeface="Menlo Regular"/>
-                <a:cs typeface="Menlo Regular"/>
-                <a:sym typeface="Courier New"/>
-              </a:rPr>
-              <a:t>end</a:t>
+              <a:t>:</a:t>
             </a:r>
             <a:endParaRPr lang="en" sz="1800" dirty="0">
               <a:solidFill>
@@ -12382,6 +12389,75 @@
             </a:endParaRPr>
           </a:p>
           <a:p>
+            <a:pPr lvl="0">
+              <a:buClr>
+                <a:srgbClr val="000000"/>
+              </a:buClr>
+              <a:buSzPct val="61111"/>
+              <a:buNone/>
+            </a:pPr>
+            <a:r>
+              <a:rPr lang="en" sz="1800" dirty="0">
+                <a:solidFill>
+                  <a:schemeClr val="tx1"/>
+                </a:solidFill>
+                <a:latin typeface="Menlo Regular"/>
+                <a:ea typeface="Menlo Regular"/>
+                <a:cs typeface="Menlo Regular"/>
+                <a:sym typeface="Courier New"/>
+              </a:rPr>
+              <a:t>    </a:t>
+            </a:r>
+            <a:r>
+              <a:rPr lang="en-US" sz="1800" dirty="0">
+                <a:solidFill>
+                  <a:srgbClr val="0E6E6D"/>
+                </a:solidFill>
+                <a:latin typeface="Menlo Regular"/>
+                <a:ea typeface="Menlo Regular"/>
+                <a:cs typeface="Menlo Regular"/>
+                <a:sym typeface="Courier New"/>
+              </a:rPr>
+              <a:t>self.t</a:t>
+            </a:r>
+            <a:r>
+              <a:rPr lang="en" sz="1800" dirty="0">
+                <a:solidFill>
+                  <a:srgbClr val="0E6E6D"/>
+                </a:solidFill>
+                <a:latin typeface="Menlo Regular"/>
+                <a:ea typeface="Menlo Regular"/>
+                <a:cs typeface="Menlo Regular"/>
+                <a:sym typeface="Courier New"/>
+              </a:rPr>
+              <a:t>emperature </a:t>
+            </a:r>
+            <a:r>
+              <a:rPr lang="en" sz="1800" dirty="0" smtClean="0">
+                <a:solidFill>
+                  <a:schemeClr val="tx1"/>
+                </a:solidFill>
+                <a:latin typeface="Menlo Regular"/>
+                <a:ea typeface="Menlo Regular"/>
+                <a:cs typeface="Menlo Regular"/>
+                <a:sym typeface="Courier New"/>
+              </a:rPr>
+              <a:t>= </a:t>
+            </a:r>
+            <a:r>
+              <a:rPr lang="en" sz="1800" dirty="0">
+                <a:solidFill>
+                  <a:schemeClr val="tx1"/>
+                </a:solidFill>
+                <a:latin typeface="Menlo Regular"/>
+                <a:ea typeface="Menlo Regular"/>
+                <a:cs typeface="Menlo Regular"/>
+                <a:sym typeface="Courier New"/>
+              </a:rPr>
+              <a:t>temp</a:t>
+            </a:r>
+          </a:p>
+          <a:p>
             <a:pPr lvl="0" rtl="0">
               <a:spcBef>
                 <a:spcPts val="0"/>
@@ -12398,7 +12474,43 @@
                 <a:cs typeface="Menlo Regular"/>
                 <a:sym typeface="Courier New"/>
               </a:rPr>
-              <a:t>end</a:t>
+              <a:t>    </a:t>
+            </a:r>
+            <a:r>
+              <a:rPr lang="en-US" sz="1800" dirty="0">
+                <a:solidFill>
+                  <a:srgbClr val="0E6E6D"/>
+                </a:solidFill>
+                <a:latin typeface="Menlo Regular"/>
+                <a:ea typeface="Menlo Regular"/>
+                <a:cs typeface="Menlo Regular"/>
+                <a:sym typeface="Courier New"/>
+              </a:rPr>
+              <a:t>self.</a:t>
+            </a:r>
+            <a:r>
+              <a:rPr lang="en" sz="1800" dirty="0">
+                <a:solidFill>
+                  <a:srgbClr val="0E6E6D"/>
+                </a:solidFill>
+                <a:latin typeface="Menlo Regular"/>
+                <a:ea typeface="Menlo Regular"/>
+                <a:cs typeface="Menlo Regular"/>
+                <a:sym typeface="Courier New"/>
+              </a:rPr>
+              <a:t>flavor </a:t>
+            </a:r>
+            <a:r>
+              <a:rPr lang="en" sz="1800" dirty="0">
+                <a:solidFill>
+                  <a:schemeClr val="tx1"/>
+                </a:solidFill>
+                <a:latin typeface="Menlo Regular"/>
+                <a:ea typeface="Menlo Regular"/>
+                <a:cs typeface="Menlo Regular"/>
+                <a:sym typeface="Courier New"/>
+              </a:rPr>
+              <a:t>= flavor</a:t>
             </a:r>
           </a:p>
           <a:p>
@@ -12408,7 +12520,7 @@
               </a:spcBef>
               <a:buNone/>
             </a:pPr>
-            <a:endParaRPr sz="1000" dirty="0">
+            <a:endParaRPr sz="1800" dirty="0">
               <a:solidFill>
                 <a:schemeClr val="tx1"/>
               </a:solidFill>
@@ -12424,7 +12536,7 @@
               <a:buNone/>
             </a:pPr>
             <a:r>
-              <a:rPr lang="en-US" sz="2000" dirty="0" err="1" smtClean="0">
+              <a:rPr lang="en-US" sz="1800" dirty="0" err="1" smtClean="0">
                 <a:solidFill>
                   <a:schemeClr val="tx1"/>
                 </a:solidFill>
@@ -12436,7 +12548,7 @@
               <a:t>ethan</a:t>
             </a:r>
             <a:r>
-              <a:rPr lang="en" sz="2000" dirty="0" smtClean="0">
+              <a:rPr lang="en" sz="1800" dirty="0" smtClean="0">
                 <a:solidFill>
                   <a:schemeClr val="tx1"/>
                 </a:solidFill>
@@ -12448,7 +12560,7 @@
               <a:t>s_coffee </a:t>
             </a:r>
             <a:r>
-              <a:rPr lang="en" sz="2000" dirty="0">
+              <a:rPr lang="en" sz="1800" dirty="0">
                 <a:solidFill>
                   <a:schemeClr val="tx1"/>
                 </a:solidFill>
@@ -12457,10 +12569,10 @@
                 <a:cs typeface="Menlo Regular"/>
                 <a:sym typeface="Courier New"/>
               </a:rPr>
-              <a:t>= Coffee.new(</a:t>
-            </a:r>
-            <a:r>
-              <a:rPr lang="en" sz="2000" dirty="0">
+              <a:t>= Coffee(</a:t>
+            </a:r>
+            <a:r>
+              <a:rPr lang="en" sz="1800" dirty="0">
                 <a:solidFill>
                   <a:srgbClr val="0E6E6D"/>
                 </a:solidFill>
@@ -12472,7 +12584,7 @@
               <a:t>80</a:t>
             </a:r>
             <a:r>
-              <a:rPr lang="en" sz="2000" dirty="0">
+              <a:rPr lang="en" sz="1800" dirty="0">
                 <a:solidFill>
                   <a:schemeClr val="tx1"/>
                 </a:solidFill>
@@ -12484,7 +12596,7 @@
               <a:t>, </a:t>
             </a:r>
             <a:r>
-              <a:rPr lang="en" sz="2000" dirty="0">
+              <a:rPr lang="en" sz="1800" dirty="0">
                 <a:solidFill>
                   <a:srgbClr val="FF0000"/>
                 </a:solidFill>
@@ -12496,7 +12608,7 @@
               <a:t>'spicy'</a:t>
             </a:r>
             <a:r>
-              <a:rPr lang="en" sz="2000" dirty="0">
+              <a:rPr lang="en" sz="1800" dirty="0">
                 <a:solidFill>
                   <a:schemeClr val="tx1"/>
                 </a:solidFill>
@@ -12507,6 +12619,15 @@
               </a:rPr>
               <a:t>)</a:t>
             </a:r>
+            <a:endParaRPr lang="en-US" sz="1800" dirty="0">
+              <a:solidFill>
+                <a:schemeClr val="tx1"/>
+              </a:solidFill>
+              <a:latin typeface="Menlo Regular"/>
+              <a:ea typeface="Menlo Regular"/>
+              <a:cs typeface="Menlo Regular"/>
+              <a:sym typeface="Courier New"/>
+            </a:endParaRPr>
           </a:p>
           <a:p>
             <a:pPr lvl="0" rtl="0">
@@ -12516,7 +12637,7 @@
               <a:buNone/>
             </a:pPr>
             <a:r>
-              <a:rPr lang="en" sz="2000" dirty="0">
+              <a:rPr lang="en-US" sz="1800" dirty="0">
                 <a:solidFill>
                   <a:schemeClr val="tx1"/>
                 </a:solidFill>
@@ -12525,8 +12646,17 @@
                 <a:cs typeface="Menlo Regular"/>
                 <a:sym typeface="Courier New"/>
               </a:rPr>
-              <a:t> =&gt; #&lt;Coffee:0x007ffb1b8219c8 @temperature=80, @flavor="spicy"&gt; </a:t>
-            </a:r>
+              <a:t>ethans_coffee.temperature</a:t>
+            </a:r>
+            <a:endParaRPr lang="en" sz="1800" dirty="0">
+              <a:solidFill>
+                <a:schemeClr val="tx1"/>
+              </a:solidFill>
+              <a:latin typeface="Menlo Regular"/>
+              <a:ea typeface="Menlo Regular"/>
+              <a:cs typeface="Menlo Regular"/>
+              <a:sym typeface="Courier New"/>
+            </a:endParaRPr>
           </a:p>
           <a:p>
             <a:pPr lvl="0" rtl="0">
@@ -12536,7 +12666,7 @@
               <a:buNone/>
             </a:pPr>
             <a:r>
-              <a:rPr lang="en-US" sz="2000" dirty="0" err="1" smtClean="0">
+              <a:rPr lang="en" sz="1800" dirty="0">
                 <a:solidFill>
                   <a:schemeClr val="tx1"/>
                 </a:solidFill>
@@ -12545,10 +12675,91 @@
                 <a:cs typeface="Menlo Regular"/>
                 <a:sym typeface="Courier New"/>
               </a:rPr>
+              <a:t> =&gt;</a:t>
+            </a:r>
+            <a:r>
+              <a:rPr lang="en-US" sz="1800" dirty="0">
+                <a:solidFill>
+                  <a:schemeClr val="tx1"/>
+                </a:solidFill>
+                <a:latin typeface="Menlo Regular"/>
+                <a:ea typeface="Menlo Regular"/>
+                <a:cs typeface="Menlo Regular"/>
+                <a:sym typeface="Courier New"/>
+              </a:rPr>
+              <a:t> 80</a:t>
+            </a:r>
+          </a:p>
+          <a:p>
+            <a:pPr lvl="0" rtl="0">
+              <a:spcBef>
+                <a:spcPts val="0"/>
+              </a:spcBef>
+              <a:buNone/>
+            </a:pPr>
+            <a:r>
+              <a:rPr lang="en-US" sz="1800" dirty="0">
+                <a:solidFill>
+                  <a:schemeClr val="tx1"/>
+                </a:solidFill>
+                <a:latin typeface="Menlo Regular"/>
+                <a:ea typeface="Menlo Regular"/>
+                <a:cs typeface="Menlo Regular"/>
+                <a:sym typeface="Courier New"/>
+              </a:rPr>
+              <a:t>ethans_coffee.flavor</a:t>
+            </a:r>
+          </a:p>
+          <a:p>
+            <a:pPr lvl="0" rtl="0">
+              <a:spcBef>
+                <a:spcPts val="0"/>
+              </a:spcBef>
+              <a:buNone/>
+            </a:pPr>
+            <a:r>
+              <a:rPr lang="en-US" sz="1800" dirty="0">
+                <a:solidFill>
+                  <a:schemeClr val="tx1"/>
+                </a:solidFill>
+                <a:latin typeface="Menlo Regular"/>
+                <a:ea typeface="Menlo Regular"/>
+                <a:cs typeface="Menlo Regular"/>
+                <a:sym typeface="Courier New"/>
+              </a:rPr>
+              <a:t> =&gt; spicy</a:t>
+            </a:r>
+            <a:endParaRPr lang="en" sz="1800" dirty="0">
+              <a:solidFill>
+                <a:schemeClr val="tx1"/>
+              </a:solidFill>
+              <a:latin typeface="Menlo Regular"/>
+              <a:ea typeface="Menlo Regular"/>
+              <a:cs typeface="Menlo Regular"/>
+              <a:sym typeface="Courier New"/>
+            </a:endParaRPr>
+          </a:p>
+          <a:p>
+            <a:pPr lvl="0" rtl="0">
+              <a:spcBef>
+                <a:spcPts val="0"/>
+              </a:spcBef>
+              <a:buNone/>
+            </a:pPr>
+            <a:r>
+              <a:rPr lang="en-US" sz="1800" dirty="0" err="1" smtClean="0">
+                <a:solidFill>
+                  <a:schemeClr val="tx1"/>
+                </a:solidFill>
+                <a:latin typeface="Menlo Regular"/>
+                <a:ea typeface="Menlo Regular"/>
+                <a:cs typeface="Menlo Regular"/>
+                <a:sym typeface="Courier New"/>
+              </a:rPr>
               <a:t>brandons</a:t>
             </a:r>
             <a:r>
-              <a:rPr lang="en" sz="2000" dirty="0" smtClean="0">
+              <a:rPr lang="en" sz="1800" dirty="0" smtClean="0">
                 <a:solidFill>
                   <a:schemeClr val="tx1"/>
                 </a:solidFill>
@@ -12560,7 +12771,7 @@
               <a:t>_coffee </a:t>
             </a:r>
             <a:r>
-              <a:rPr lang="en" sz="2000" dirty="0">
+              <a:rPr lang="en" sz="1800" dirty="0">
                 <a:solidFill>
                   <a:schemeClr val="tx1"/>
                 </a:solidFill>
@@ -12569,10 +12780,10 @@
                 <a:cs typeface="Menlo Regular"/>
                 <a:sym typeface="Courier New"/>
               </a:rPr>
-              <a:t>= Coffee.new(</a:t>
-            </a:r>
-            <a:r>
-              <a:rPr lang="en" sz="2000" dirty="0">
+              <a:t>= Coffee(</a:t>
+            </a:r>
+            <a:r>
+              <a:rPr lang="en" sz="1800" dirty="0">
                 <a:solidFill>
                   <a:srgbClr val="0E6E6D"/>
                 </a:solidFill>
@@ -12584,7 +12795,7 @@
               <a:t>90</a:t>
             </a:r>
             <a:r>
-              <a:rPr lang="en" sz="2000" dirty="0">
+              <a:rPr lang="en" sz="1800" dirty="0">
                 <a:solidFill>
                   <a:schemeClr val="tx1"/>
                 </a:solidFill>
@@ -12609,7 +12820,7 @@
               <a:buNone/>
             </a:pPr>
             <a:r>
-              <a:rPr lang="en" sz="2000" dirty="0">
+              <a:rPr lang="en-US" sz="1800" dirty="0">
                 <a:solidFill>
                   <a:schemeClr val="tx1"/>
                 </a:solidFill>
@@ -12618,8 +12829,192 @@
                 <a:cs typeface="Menlo Regular"/>
                 <a:sym typeface="Courier New"/>
               </a:rPr>
-              <a:t> =&gt; #&lt;Coffee:0x007ffb1d0f0030 @temperature=90, @flavor="bland"&gt; </a:t>
-            </a:r>
+              <a:t>brandons_coffee.temperature</a:t>
+            </a:r>
+          </a:p>
+          <a:p>
+            <a:pPr>
+              <a:buClr>
+                <a:srgbClr val="000000"/>
+              </a:buClr>
+              <a:buSzPct val="61111"/>
+              <a:buNone/>
+            </a:pPr>
+            <a:r>
+              <a:rPr lang="en-US" sz="1800" dirty="0">
+                <a:solidFill>
+                  <a:schemeClr val="tx1"/>
+                </a:solidFill>
+                <a:latin typeface="Menlo Regular"/>
+                <a:ea typeface="Menlo Regular"/>
+                <a:cs typeface="Menlo Regular"/>
+                <a:sym typeface="Courier New"/>
+              </a:rPr>
+              <a:t> </a:t>
+            </a:r>
+            <a:r>
+              <a:rPr lang="en" sz="1800" dirty="0">
+                <a:solidFill>
+                  <a:schemeClr val="tx1"/>
+                </a:solidFill>
+                <a:latin typeface="Menlo Regular"/>
+                <a:ea typeface="Menlo Regular"/>
+                <a:cs typeface="Menlo Regular"/>
+                <a:sym typeface="Courier New"/>
+              </a:rPr>
+              <a:t>=&gt;</a:t>
+            </a:r>
+            <a:r>
+              <a:rPr lang="en-US" sz="1800" dirty="0">
+                <a:solidFill>
+                  <a:schemeClr val="tx1"/>
+                </a:solidFill>
+                <a:latin typeface="Menlo Regular"/>
+                <a:ea typeface="Menlo Regular"/>
+                <a:cs typeface="Menlo Regular"/>
+                <a:sym typeface="Courier New"/>
+              </a:rPr>
+              <a:t> 90</a:t>
+            </a:r>
+          </a:p>
+          <a:p>
+            <a:pPr lvl="0">
+              <a:spcBef>
+                <a:spcPts val="0"/>
+              </a:spcBef>
+              <a:buClr>
+                <a:srgbClr val="000000"/>
+              </a:buClr>
+              <a:buSzPct val="61111"/>
+              <a:buFont typeface="Arial"/>
+              <a:buNone/>
+            </a:pPr>
+            <a:r>
+              <a:rPr lang="en-US" sz="1800" dirty="0">
+                <a:solidFill>
+                  <a:schemeClr val="tx1"/>
+                </a:solidFill>
+                <a:latin typeface="Menlo Regular"/>
+                <a:ea typeface="Menlo Regular"/>
+                <a:cs typeface="Menlo Regular"/>
+                <a:sym typeface="Courier New"/>
+              </a:rPr>
+              <a:t>brandons_coffee.flavor</a:t>
+            </a:r>
+            <a:endParaRPr lang="en-US" sz="1800" dirty="0">
+              <a:solidFill>
+                <a:schemeClr val="tx1"/>
+              </a:solidFill>
+              <a:latin typeface="Menlo Regular"/>
+              <a:ea typeface="Menlo Regular"/>
+              <a:cs typeface="Menlo Regular"/>
+              <a:sym typeface="Courier New"/>
+            </a:endParaRPr>
+          </a:p>
+          <a:p>
+            <a:pPr lvl="0">
+              <a:spcBef>
+                <a:spcPts val="0"/>
+              </a:spcBef>
+              <a:buClr>
+                <a:srgbClr val="000000"/>
+              </a:buClr>
+              <a:buSzPct val="61111"/>
+              <a:buFont typeface="Arial"/>
+              <a:buNone/>
+            </a:pPr>
+            <a:r>
+              <a:rPr lang="en-US" sz="1800" dirty="0">
+                <a:solidFill>
+                  <a:schemeClr val="tx1"/>
+                </a:solidFill>
+                <a:latin typeface="Menlo Regular"/>
+                <a:ea typeface="Menlo Regular"/>
+                <a:cs typeface="Menlo Regular"/>
+                <a:sym typeface="Courier New"/>
+              </a:rPr>
+              <a:t> </a:t>
+            </a:r>
+            <a:r>
+              <a:rPr lang="en" sz="1800" dirty="0">
+                <a:solidFill>
+                  <a:schemeClr val="tx1"/>
+                </a:solidFill>
+                <a:latin typeface="Menlo Regular"/>
+                <a:ea typeface="Menlo Regular"/>
+                <a:cs typeface="Menlo Regular"/>
+                <a:sym typeface="Courier New"/>
+              </a:rPr>
+              <a:t>=&gt;</a:t>
+            </a:r>
+            <a:r>
+              <a:rPr lang="en-US" sz="1800" dirty="0">
+                <a:solidFill>
+                  <a:schemeClr val="tx1"/>
+                </a:solidFill>
+                <a:latin typeface="Menlo Regular"/>
+                <a:ea typeface="Menlo Regular"/>
+                <a:cs typeface="Menlo Regular"/>
+                <a:sym typeface="Courier New"/>
+              </a:rPr>
+              <a:t> spicy</a:t>
+            </a:r>
+          </a:p>
+          <a:p>
+            <a:pPr lvl="0">
+              <a:spcBef>
+                <a:spcPts val="0"/>
+              </a:spcBef>
+              <a:buClr>
+                <a:srgbClr val="000000"/>
+              </a:buClr>
+              <a:buSzPct val="61111"/>
+              <a:buFont typeface="Arial"/>
+              <a:buNone/>
+            </a:pPr>
+            <a:endParaRPr lang="en-US" sz="1800" dirty="0">
+              <a:solidFill>
+                <a:schemeClr val="tx1"/>
+              </a:solidFill>
+              <a:latin typeface="Menlo Regular"/>
+              <a:ea typeface="Menlo Regular"/>
+              <a:cs typeface="Menlo Regular"/>
+              <a:sym typeface="Courier New"/>
+            </a:endParaRPr>
+          </a:p>
+          <a:p>
+            <a:pPr lvl="0">
+              <a:spcBef>
+                <a:spcPts val="0"/>
+              </a:spcBef>
+              <a:buClr>
+                <a:srgbClr val="000000"/>
+              </a:buClr>
+              <a:buSzPct val="61111"/>
+              <a:buFont typeface="Arial"/>
+              <a:buNone/>
+            </a:pPr>
+            <a:r>
+              <a:rPr lang="en-US" sz="1800" dirty="0">
+                <a:solidFill>
+                  <a:schemeClr val="tx1"/>
+                </a:solidFill>
+                <a:latin typeface="Menlo Regular"/>
+                <a:ea typeface="Menlo Regular"/>
+                <a:cs typeface="Menlo Regular"/>
+                <a:sym typeface="Courier New"/>
+              </a:rPr>
+              <a:t>What happened?</a:t>
+            </a:r>
+            <a:endParaRPr lang="en" sz="1800" dirty="0">
+              <a:solidFill>
+                <a:schemeClr val="tx1"/>
+              </a:solidFill>
+              <a:latin typeface="Menlo Regular"/>
+              <a:ea typeface="Menlo Regular"/>
+              <a:cs typeface="Menlo Regular"/>
+              <a:sym typeface="Courier New"/>
+            </a:endParaRPr>
           </a:p>
         </p:txBody>
       </p:sp>
@@ -13297,40 +13692,9 @@
           </a:bodyPr>
           <a:lstStyle/>
           <a:p>
-            <a:pPr lvl="0" rtl="0">
-              <a:lnSpc>
-                <a:spcPct val="100000"/>
-              </a:lnSpc>
-              <a:spcBef>
-                <a:spcPts val="0"/>
-              </a:spcBef>
-              <a:buNone/>
-            </a:pPr>
-            <a:r>
-              <a:rPr lang="en" sz="2400" b="1" dirty="0">
-                <a:solidFill>
-                  <a:srgbClr val="000000"/>
-                </a:solidFill>
-                <a:latin typeface="Open Sans"/>
-                <a:ea typeface="Open Sans"/>
-                <a:cs typeface="Open Sans"/>
-                <a:sym typeface="Open Sans"/>
-              </a:rPr>
-              <a:t>local variable</a:t>
-            </a:r>
-          </a:p>
-          <a:p>
-            <a:pPr lvl="0" rtl="0">
-              <a:lnSpc>
-                <a:spcPct val="100000"/>
-              </a:lnSpc>
-              <a:spcBef>
-                <a:spcPts val="0"/>
-              </a:spcBef>
-              <a:buNone/>
-            </a:pPr>
-            <a:r>
-              <a:rPr lang="en" sz="2400" dirty="0">
+            <a:pPr lvl="0"/>
+            <a:r>
+              <a:rPr lang="en" sz="1200" dirty="0">
                 <a:solidFill>
                   <a:srgbClr val="0E6E6D"/>
                 </a:solidFill>
@@ -13339,82 +13703,58 @@
                 <a:cs typeface="Menlo Regular"/>
                 <a:sym typeface="courier new"/>
               </a:rPr>
-              <a:t>temperature</a:t>
-            </a:r>
-            <a:r>
-              <a:rPr lang="en" sz="2400" dirty="0">
+              <a:t># This is a global variable</a:t>
+            </a:r>
+            <a:endParaRPr lang="en-US" sz="1200" dirty="0">
+              <a:solidFill>
+                <a:srgbClr val="0E6E6D"/>
+              </a:solidFill>
+              <a:latin typeface="Menlo Regular"/>
+              <a:ea typeface="Menlo Regular"/>
+              <a:cs typeface="Menlo Regular"/>
+              <a:sym typeface="courier new"/>
+            </a:endParaRPr>
+          </a:p>
+          <a:p>
+            <a:pPr lvl="0"/>
+            <a:r>
+              <a:rPr lang="en" sz="1200" dirty="0">
                 <a:solidFill>
                   <a:srgbClr val="0E6E6D"/>
                 </a:solidFill>
-                <a:sym typeface="Arial"/>
-              </a:rPr>
-              <a:t> </a:t>
-            </a:r>
-          </a:p>
-          <a:p>
-            <a:pPr rtl="0">
-              <a:lnSpc>
-                <a:spcPct val="100000"/>
-              </a:lnSpc>
-              <a:spcBef>
-                <a:spcPts val="0"/>
-              </a:spcBef>
-              <a:buNone/>
-            </a:pPr>
-            <a:endParaRPr sz="1600" dirty="0" smtClean="0">
+                <a:latin typeface="Menlo Regular"/>
+                <a:ea typeface="Menlo Regular"/>
+                <a:cs typeface="Menlo Regular"/>
+                <a:sym typeface="courier new"/>
+              </a:rPr>
+              <a:t>a = 0</a:t>
+            </a:r>
+            <a:endParaRPr lang="en-US" sz="1200" dirty="0">
               <a:solidFill>
-                <a:srgbClr val="000000"/>
+                <a:srgbClr val="0E6E6D"/>
               </a:solidFill>
-              <a:sym typeface="Arial"/>
+              <a:latin typeface="Menlo Regular"/>
+              <a:ea typeface="Menlo Regular"/>
+              <a:cs typeface="Menlo Regular"/>
+              <a:sym typeface="courier new"/>
             </a:endParaRPr>
           </a:p>
           <a:p>
-            <a:pPr rtl="0">
-              <a:lnSpc>
-                <a:spcPct val="100000"/>
-              </a:lnSpc>
-              <a:spcBef>
-                <a:spcPts val="0"/>
-              </a:spcBef>
-              <a:buNone/>
-            </a:pPr>
-            <a:r>
-              <a:rPr lang="en" sz="2400" b="1" dirty="0" smtClean="0">
-                <a:solidFill>
-                  <a:srgbClr val="000000"/>
-                </a:solidFill>
-                <a:latin typeface="Open Sans"/>
-                <a:ea typeface="Open Sans"/>
-                <a:cs typeface="Open Sans"/>
-                <a:sym typeface="Open Sans"/>
-              </a:rPr>
-              <a:t>instance </a:t>
-            </a:r>
-            <a:r>
-              <a:rPr lang="en" sz="2400" b="1" dirty="0">
-                <a:solidFill>
-                  <a:srgbClr val="000000"/>
-                </a:solidFill>
-                <a:latin typeface="Open Sans"/>
-                <a:ea typeface="Open Sans"/>
-                <a:cs typeface="Open Sans"/>
-                <a:sym typeface="Open Sans"/>
-              </a:rPr>
-              <a:t>variable</a:t>
-            </a:r>
-          </a:p>
-          <a:p>
-            <a:pPr rtl="0">
-              <a:lnSpc>
-                <a:spcPct val="100000"/>
-              </a:lnSpc>
-              <a:spcBef>
-                <a:spcPts val="0"/>
-              </a:spcBef>
-              <a:buNone/>
-            </a:pPr>
-            <a:r>
-              <a:rPr lang="en" sz="2400" dirty="0">
+            <a:pPr lvl="0"/>
+            <a:endParaRPr lang="en-US" sz="1200" dirty="0">
+              <a:solidFill>
+                <a:srgbClr val="0E6E6D"/>
+              </a:solidFill>
+              <a:latin typeface="Menlo Regular"/>
+              <a:ea typeface="Menlo Regular"/>
+              <a:cs typeface="Menlo Regular"/>
+              <a:sym typeface="courier new"/>
+            </a:endParaRPr>
+          </a:p>
+          <a:p>
+            <a:pPr lvl="0"/>
+            <a:r>
+              <a:rPr lang="en" sz="1200" dirty="0">
                 <a:solidFill>
                   <a:srgbClr val="0E6E6D"/>
                 </a:solidFill>
@@ -13423,80 +13763,34 @@
                 <a:cs typeface="Menlo Regular"/>
                 <a:sym typeface="courier new"/>
               </a:rPr>
-              <a:t>@temperature</a:t>
-            </a:r>
-            <a:r>
-              <a:rPr lang="en" sz="2400" dirty="0">
-                <a:solidFill>
-                  <a:srgbClr val="000000"/>
+              <a:t>if a == 0:   </a:t>
+            </a:r>
+            <a:endParaRPr lang="en-US" sz="1200" dirty="0">
+              <a:solidFill>
+                <a:srgbClr val="0E6E6D"/>
+              </a:solidFill>
+              <a:latin typeface="Menlo Regular"/>
+              <a:ea typeface="Menlo Regular"/>
+              <a:cs typeface="Menlo Regular"/>
+              <a:sym typeface="courier new"/>
+            </a:endParaRPr>
+          </a:p>
+          <a:p>
+            <a:pPr lvl="0"/>
+            <a:r>
+              <a:rPr lang="en-US" sz="1200" dirty="0">
+                <a:solidFill>
+                  <a:srgbClr val="0E6E6D"/>
                 </a:solidFill>
                 <a:latin typeface="Menlo Regular"/>
                 <a:ea typeface="Menlo Regular"/>
                 <a:cs typeface="Menlo Regular"/>
                 <a:sym typeface="courier new"/>
               </a:rPr>
-              <a:t> </a:t>
-            </a:r>
-          </a:p>
-          <a:p>
-            <a:pPr rtl="0">
-              <a:lnSpc>
-                <a:spcPct val="100000"/>
-              </a:lnSpc>
-              <a:spcBef>
-                <a:spcPts val="0"/>
-              </a:spcBef>
-              <a:buNone/>
-            </a:pPr>
-            <a:endParaRPr lang="en-US" sz="1800" dirty="0"/>
-          </a:p>
-          <a:p>
-            <a:pPr rtl="0">
-              <a:lnSpc>
-                <a:spcPct val="100000"/>
-              </a:lnSpc>
-              <a:spcBef>
-                <a:spcPts val="0"/>
-              </a:spcBef>
-              <a:buNone/>
-            </a:pPr>
-            <a:r>
-              <a:rPr lang="en" sz="2400" b="1" dirty="0" smtClean="0">
-                <a:solidFill>
-                  <a:srgbClr val="000000"/>
-                </a:solidFill>
-                <a:latin typeface="Open Sans"/>
-                <a:ea typeface="Open Sans"/>
-                <a:cs typeface="Open Sans"/>
-                <a:sym typeface="Open Sans"/>
-              </a:rPr>
-              <a:t>class </a:t>
-            </a:r>
-            <a:r>
-              <a:rPr lang="en" sz="2400" b="1" dirty="0">
-                <a:solidFill>
-                  <a:srgbClr val="000000"/>
-                </a:solidFill>
-                <a:latin typeface="Open Sans"/>
-                <a:ea typeface="Open Sans"/>
-                <a:cs typeface="Open Sans"/>
-                <a:sym typeface="Open Sans"/>
-              </a:rPr>
-              <a:t>variable </a:t>
-            </a:r>
-          </a:p>
-          <a:p>
-            <a:pPr rtl="0">
-              <a:lnSpc>
-                <a:spcPct val="100000"/>
-              </a:lnSpc>
-              <a:spcBef>
-                <a:spcPts val="0"/>
-              </a:spcBef>
-              <a:buNone/>
-            </a:pPr>
-            <a:r>
-              <a:rPr lang="en" sz="2400" dirty="0">
+              <a:t>	</a:t>
+            </a:r>
+            <a:r>
+              <a:rPr lang="en" sz="1200" dirty="0">
                 <a:solidFill>
                   <a:srgbClr val="0E6E6D"/>
                 </a:solidFill>
@@ -13505,61 +13799,22 @@
                 <a:cs typeface="Menlo Regular"/>
                 <a:sym typeface="courier new"/>
               </a:rPr>
-              <a:t>@@temperature</a:t>
-            </a:r>
-          </a:p>
-          <a:p>
-            <a:pPr rtl="0">
-              <a:lnSpc>
-                <a:spcPct val="100000"/>
-              </a:lnSpc>
-              <a:spcBef>
-                <a:spcPts val="0"/>
-              </a:spcBef>
-              <a:buNone/>
-            </a:pPr>
-            <a:endParaRPr sz="1800" dirty="0">
+              <a:t># This is still a global variable</a:t>
+            </a:r>
+            <a:endParaRPr lang="en-US" sz="1200" dirty="0">
               <a:solidFill>
-                <a:srgbClr val="000000"/>
+                <a:srgbClr val="0E6E6D"/>
               </a:solidFill>
-              <a:sym typeface="Arial"/>
+              <a:latin typeface="Menlo Regular"/>
+              <a:ea typeface="Menlo Regular"/>
+              <a:cs typeface="Menlo Regular"/>
+              <a:sym typeface="courier new"/>
             </a:endParaRPr>
           </a:p>
           <a:p>
-            <a:pPr rtl="0">
-              <a:lnSpc>
-                <a:spcPct val="100000"/>
-              </a:lnSpc>
-              <a:spcBef>
-                <a:spcPts val="0"/>
-              </a:spcBef>
-              <a:buNone/>
-            </a:pPr>
-            <a:r>
-              <a:rPr lang="en" sz="2400" b="1" dirty="0">
-                <a:solidFill>
-                  <a:srgbClr val="000000"/>
-                </a:solidFill>
-                <a:latin typeface="Open Sans"/>
-                <a:ea typeface="Open Sans"/>
-                <a:cs typeface="Open Sans"/>
-                <a:sym typeface="Open Sans"/>
-              </a:rPr>
-              <a:t>global variable</a:t>
-            </a:r>
-          </a:p>
-          <a:p>
-            <a:pPr rtl="0">
-              <a:lnSpc>
-                <a:spcPct val="100000"/>
-              </a:lnSpc>
-              <a:spcBef>
-                <a:spcPts val="0"/>
-              </a:spcBef>
-              <a:buNone/>
-            </a:pPr>
-            <a:r>
-              <a:rPr lang="en" sz="2400" dirty="0">
+            <a:pPr lvl="0"/>
+            <a:r>
+              <a:rPr lang="en" sz="1200" dirty="0">
                 <a:solidFill>
                   <a:srgbClr val="0E6E6D"/>
                 </a:solidFill>
@@ -13568,65 +13823,58 @@
                 <a:cs typeface="Menlo Regular"/>
                 <a:sym typeface="courier new"/>
               </a:rPr>
-              <a:t>$temperature</a:t>
-            </a:r>
-          </a:p>
-          <a:p>
-            <a:pPr rtl="0">
-              <a:lnSpc>
-                <a:spcPct val="100000"/>
-              </a:lnSpc>
-              <a:spcBef>
-                <a:spcPts val="0"/>
-              </a:spcBef>
-              <a:buNone/>
-            </a:pPr>
-            <a:endParaRPr lang="en-US" sz="1800" dirty="0"/>
-          </a:p>
-          <a:p>
-            <a:pPr rtl="0">
-              <a:lnSpc>
-                <a:spcPct val="100000"/>
-              </a:lnSpc>
-              <a:spcBef>
-                <a:spcPts val="0"/>
-              </a:spcBef>
-              <a:buNone/>
-            </a:pPr>
-            <a:r>
-              <a:rPr lang="en" sz="2400" b="1" dirty="0" smtClean="0">
-                <a:sym typeface="Open Sans"/>
-              </a:rPr>
-              <a:t>constant</a:t>
-            </a:r>
-            <a:r>
-              <a:rPr lang="en" sz="2400" b="1" dirty="0" smtClean="0">
-                <a:solidFill>
-                  <a:srgbClr val="000000"/>
-                </a:solidFill>
-                <a:sym typeface="Arial"/>
-              </a:rPr>
-              <a:t> </a:t>
-            </a:r>
-            <a:endParaRPr lang="en" sz="2400" b="1" dirty="0">
+              <a:t>   </a:t>
+            </a:r>
+            <a:r>
+              <a:rPr lang="en-US" sz="1200" dirty="0">
+                <a:solidFill>
+                  <a:srgbClr val="0E6E6D"/>
+                </a:solidFill>
+                <a:latin typeface="Menlo Regular"/>
+                <a:ea typeface="Menlo Regular"/>
+                <a:cs typeface="Menlo Regular"/>
+                <a:sym typeface="courier new"/>
+              </a:rPr>
+              <a:t>	</a:t>
+            </a:r>
+            <a:r>
+              <a:rPr lang="en" sz="1200" dirty="0">
+                <a:solidFill>
+                  <a:srgbClr val="0E6E6D"/>
+                </a:solidFill>
+                <a:latin typeface="Menlo Regular"/>
+                <a:ea typeface="Menlo Regular"/>
+                <a:cs typeface="Menlo Regular"/>
+                <a:sym typeface="courier new"/>
+              </a:rPr>
+              <a:t>b = 1</a:t>
+            </a:r>
+            <a:endParaRPr lang="en-US" sz="1200" dirty="0">
               <a:solidFill>
-                <a:srgbClr val="000000"/>
+                <a:srgbClr val="0E6E6D"/>
               </a:solidFill>
-              <a:sym typeface="Arial"/>
+              <a:latin typeface="Menlo Regular"/>
+              <a:ea typeface="Menlo Regular"/>
+              <a:cs typeface="Menlo Regular"/>
+              <a:sym typeface="courier new"/>
             </a:endParaRPr>
           </a:p>
           <a:p>
-            <a:pPr rtl="0">
-              <a:lnSpc>
-                <a:spcPct val="100000"/>
-              </a:lnSpc>
-              <a:spcBef>
-                <a:spcPts val="0"/>
-              </a:spcBef>
-              <a:buNone/>
-            </a:pPr>
-            <a:r>
-              <a:rPr lang="en" sz="2400" dirty="0">
+            <a:pPr lvl="0"/>
+            <a:endParaRPr lang="en-US" sz="1200" dirty="0">
+              <a:solidFill>
+                <a:srgbClr val="0E6E6D"/>
+              </a:solidFill>
+              <a:latin typeface="Menlo Regular"/>
+              <a:ea typeface="Menlo Regular"/>
+              <a:cs typeface="Menlo Regular"/>
+              <a:sym typeface="courier new"/>
+            </a:endParaRPr>
+          </a:p>
+          <a:p>
+            <a:pPr lvl="0"/>
+            <a:r>
+              <a:rPr lang="en" sz="1200" dirty="0">
                 <a:solidFill>
                   <a:srgbClr val="0E6E6D"/>
                 </a:solidFill>
@@ -13635,8 +13883,425 @@
                 <a:cs typeface="Menlo Regular"/>
                 <a:sym typeface="courier new"/>
               </a:rPr>
-              <a:t>TEMPERATURE </a:t>
-            </a:r>
+              <a:t>def my_function(c):</a:t>
+            </a:r>
+            <a:endParaRPr lang="en-US" sz="1200" dirty="0">
+              <a:solidFill>
+                <a:srgbClr val="0E6E6D"/>
+              </a:solidFill>
+              <a:latin typeface="Menlo Regular"/>
+              <a:ea typeface="Menlo Regular"/>
+              <a:cs typeface="Menlo Regular"/>
+              <a:sym typeface="courier new"/>
+            </a:endParaRPr>
+          </a:p>
+          <a:p>
+            <a:pPr lvl="0"/>
+            <a:r>
+              <a:rPr lang="en-US" sz="1200" dirty="0">
+                <a:solidFill>
+                  <a:srgbClr val="0E6E6D"/>
+                </a:solidFill>
+                <a:latin typeface="Menlo Regular"/>
+                <a:ea typeface="Menlo Regular"/>
+                <a:cs typeface="Menlo Regular"/>
+                <a:sym typeface="courier new"/>
+              </a:rPr>
+              <a:t>	</a:t>
+            </a:r>
+            <a:r>
+              <a:rPr lang="en" sz="1200" dirty="0">
+                <a:solidFill>
+                  <a:srgbClr val="0E6E6D"/>
+                </a:solidFill>
+                <a:latin typeface="Menlo Regular"/>
+                <a:ea typeface="Menlo Regular"/>
+                <a:cs typeface="Menlo Regular"/>
+                <a:sym typeface="courier new"/>
+              </a:rPr>
+              <a:t># this is a local variable    </a:t>
+            </a:r>
+            <a:endParaRPr lang="en-US" sz="1200" dirty="0">
+              <a:solidFill>
+                <a:srgbClr val="0E6E6D"/>
+              </a:solidFill>
+              <a:latin typeface="Menlo Regular"/>
+              <a:ea typeface="Menlo Regular"/>
+              <a:cs typeface="Menlo Regular"/>
+              <a:sym typeface="courier new"/>
+            </a:endParaRPr>
+          </a:p>
+          <a:p>
+            <a:pPr lvl="0"/>
+            <a:r>
+              <a:rPr lang="en-US" sz="1200" dirty="0">
+                <a:solidFill>
+                  <a:srgbClr val="0E6E6D"/>
+                </a:solidFill>
+                <a:latin typeface="Menlo Regular"/>
+                <a:ea typeface="Menlo Regular"/>
+                <a:cs typeface="Menlo Regular"/>
+                <a:sym typeface="courier new"/>
+              </a:rPr>
+              <a:t>	</a:t>
+            </a:r>
+            <a:r>
+              <a:rPr lang="en" sz="1200" dirty="0">
+                <a:solidFill>
+                  <a:srgbClr val="0E6E6D"/>
+                </a:solidFill>
+                <a:latin typeface="Menlo Regular"/>
+                <a:ea typeface="Menlo Regular"/>
+                <a:cs typeface="Menlo Regular"/>
+                <a:sym typeface="courier new"/>
+              </a:rPr>
+              <a:t>d = 3    </a:t>
+            </a:r>
+            <a:endParaRPr lang="en-US" sz="1200" dirty="0">
+              <a:solidFill>
+                <a:srgbClr val="0E6E6D"/>
+              </a:solidFill>
+              <a:latin typeface="Menlo Regular"/>
+              <a:ea typeface="Menlo Regular"/>
+              <a:cs typeface="Menlo Regular"/>
+              <a:sym typeface="courier new"/>
+            </a:endParaRPr>
+          </a:p>
+          <a:p>
+            <a:pPr lvl="0"/>
+            <a:r>
+              <a:rPr lang="en-US" sz="1200" dirty="0">
+                <a:solidFill>
+                  <a:srgbClr val="0E6E6D"/>
+                </a:solidFill>
+                <a:latin typeface="Menlo Regular"/>
+                <a:ea typeface="Menlo Regular"/>
+                <a:cs typeface="Menlo Regular"/>
+                <a:sym typeface="courier new"/>
+              </a:rPr>
+              <a:t>	</a:t>
+            </a:r>
+            <a:r>
+              <a:rPr lang="en" sz="1200" dirty="0">
+                <a:solidFill>
+                  <a:srgbClr val="0E6E6D"/>
+                </a:solidFill>
+                <a:latin typeface="Menlo Regular"/>
+                <a:ea typeface="Menlo Regular"/>
+                <a:cs typeface="Menlo Regular"/>
+                <a:sym typeface="courier new"/>
+              </a:rPr>
+              <a:t>print(c)    </a:t>
+            </a:r>
+            <a:endParaRPr lang="en-US" sz="1200" dirty="0">
+              <a:solidFill>
+                <a:srgbClr val="0E6E6D"/>
+              </a:solidFill>
+              <a:latin typeface="Menlo Regular"/>
+              <a:ea typeface="Menlo Regular"/>
+              <a:cs typeface="Menlo Regular"/>
+              <a:sym typeface="courier new"/>
+            </a:endParaRPr>
+          </a:p>
+          <a:p>
+            <a:pPr lvl="0"/>
+            <a:r>
+              <a:rPr lang="en-US" sz="1200" dirty="0">
+                <a:solidFill>
+                  <a:srgbClr val="0E6E6D"/>
+                </a:solidFill>
+                <a:latin typeface="Menlo Regular"/>
+                <a:ea typeface="Menlo Regular"/>
+                <a:cs typeface="Menlo Regular"/>
+                <a:sym typeface="courier new"/>
+              </a:rPr>
+              <a:t>	</a:t>
+            </a:r>
+            <a:r>
+              <a:rPr lang="en" sz="1200" dirty="0">
+                <a:solidFill>
+                  <a:srgbClr val="0E6E6D"/>
+                </a:solidFill>
+                <a:latin typeface="Menlo Regular"/>
+                <a:ea typeface="Menlo Regular"/>
+                <a:cs typeface="Menlo Regular"/>
+                <a:sym typeface="courier new"/>
+              </a:rPr>
+              <a:t>print(d)</a:t>
+            </a:r>
+            <a:endParaRPr lang="en-US" sz="1200" dirty="0">
+              <a:solidFill>
+                <a:srgbClr val="0E6E6D"/>
+              </a:solidFill>
+              <a:latin typeface="Menlo Regular"/>
+              <a:ea typeface="Menlo Regular"/>
+              <a:cs typeface="Menlo Regular"/>
+              <a:sym typeface="courier new"/>
+            </a:endParaRPr>
+          </a:p>
+          <a:p>
+            <a:pPr lvl="0"/>
+            <a:endParaRPr lang="en-US" sz="1200" dirty="0">
+              <a:solidFill>
+                <a:srgbClr val="0E6E6D"/>
+              </a:solidFill>
+              <a:latin typeface="Menlo Regular"/>
+              <a:ea typeface="Menlo Regular"/>
+              <a:cs typeface="Menlo Regular"/>
+              <a:sym typeface="courier new"/>
+            </a:endParaRPr>
+          </a:p>
+          <a:p>
+            <a:pPr lvl="0"/>
+            <a:r>
+              <a:rPr lang="en" sz="1200" dirty="0">
+                <a:solidFill>
+                  <a:srgbClr val="0E6E6D"/>
+                </a:solidFill>
+                <a:latin typeface="Menlo Regular"/>
+                <a:ea typeface="Menlo Regular"/>
+                <a:cs typeface="Menlo Regular"/>
+                <a:sym typeface="courier new"/>
+              </a:rPr>
+              <a:t># Now we call the function, passing the value 7 as the first and only parameter</a:t>
+            </a:r>
+            <a:endParaRPr lang="en-US" sz="1200" dirty="0">
+              <a:solidFill>
+                <a:srgbClr val="0E6E6D"/>
+              </a:solidFill>
+              <a:latin typeface="Menlo Regular"/>
+              <a:ea typeface="Menlo Regular"/>
+              <a:cs typeface="Menlo Regular"/>
+              <a:sym typeface="courier new"/>
+            </a:endParaRPr>
+          </a:p>
+          <a:p>
+            <a:pPr lvl="0"/>
+            <a:r>
+              <a:rPr lang="en" sz="1200" dirty="0">
+                <a:solidFill>
+                  <a:srgbClr val="0E6E6D"/>
+                </a:solidFill>
+                <a:latin typeface="Menlo Regular"/>
+                <a:ea typeface="Menlo Regular"/>
+                <a:cs typeface="Menlo Regular"/>
+                <a:sym typeface="courier new"/>
+              </a:rPr>
+              <a:t>my_function(7)</a:t>
+            </a:r>
+            <a:endParaRPr lang="en-US" sz="1200" dirty="0">
+              <a:solidFill>
+                <a:srgbClr val="0E6E6D"/>
+              </a:solidFill>
+              <a:latin typeface="Menlo Regular"/>
+              <a:ea typeface="Menlo Regular"/>
+              <a:cs typeface="Menlo Regular"/>
+              <a:sym typeface="courier new"/>
+            </a:endParaRPr>
+          </a:p>
+          <a:p>
+            <a:pPr lvl="0"/>
+            <a:endParaRPr lang="en-US" sz="1200" dirty="0">
+              <a:solidFill>
+                <a:srgbClr val="0E6E6D"/>
+              </a:solidFill>
+              <a:latin typeface="Menlo Regular"/>
+              <a:ea typeface="Menlo Regular"/>
+              <a:cs typeface="Menlo Regular"/>
+              <a:sym typeface="courier new"/>
+            </a:endParaRPr>
+          </a:p>
+          <a:p>
+            <a:pPr lvl="0"/>
+            <a:r>
+              <a:rPr lang="en" sz="1200" dirty="0">
+                <a:solidFill>
+                  <a:srgbClr val="0E6E6D"/>
+                </a:solidFill>
+                <a:latin typeface="Menlo Regular"/>
+                <a:ea typeface="Menlo Regular"/>
+                <a:cs typeface="Menlo Regular"/>
+                <a:sym typeface="courier new"/>
+              </a:rPr>
+              <a:t># a and b still exist</a:t>
+            </a:r>
+            <a:endParaRPr lang="en-US" sz="1200" dirty="0">
+              <a:solidFill>
+                <a:srgbClr val="0E6E6D"/>
+              </a:solidFill>
+              <a:latin typeface="Menlo Regular"/>
+              <a:ea typeface="Menlo Regular"/>
+              <a:cs typeface="Menlo Regular"/>
+              <a:sym typeface="courier new"/>
+            </a:endParaRPr>
+          </a:p>
+          <a:p>
+            <a:pPr lvl="0"/>
+            <a:r>
+              <a:rPr lang="en" sz="1200" dirty="0">
+                <a:solidFill>
+                  <a:srgbClr val="0E6E6D"/>
+                </a:solidFill>
+                <a:latin typeface="Menlo Regular"/>
+                <a:ea typeface="Menlo Regular"/>
+                <a:cs typeface="Menlo Regular"/>
+                <a:sym typeface="courier new"/>
+              </a:rPr>
+              <a:t>print(a)</a:t>
+            </a:r>
+            <a:endParaRPr lang="en-US" sz="1200" dirty="0">
+              <a:solidFill>
+                <a:srgbClr val="0E6E6D"/>
+              </a:solidFill>
+              <a:latin typeface="Menlo Regular"/>
+              <a:ea typeface="Menlo Regular"/>
+              <a:cs typeface="Menlo Regular"/>
+              <a:sym typeface="courier new"/>
+            </a:endParaRPr>
+          </a:p>
+          <a:p>
+            <a:pPr lvl="0"/>
+            <a:r>
+              <a:rPr lang="en" sz="1200" dirty="0">
+                <a:solidFill>
+                  <a:srgbClr val="0E6E6D"/>
+                </a:solidFill>
+                <a:latin typeface="Menlo Regular"/>
+                <a:ea typeface="Menlo Regular"/>
+                <a:cs typeface="Menlo Regular"/>
+                <a:sym typeface="courier new"/>
+              </a:rPr>
+              <a:t>print(b)</a:t>
+            </a:r>
+            <a:endParaRPr lang="en-US" sz="1200" dirty="0">
+              <a:solidFill>
+                <a:srgbClr val="0E6E6D"/>
+              </a:solidFill>
+              <a:latin typeface="Menlo Regular"/>
+              <a:ea typeface="Menlo Regular"/>
+              <a:cs typeface="Menlo Regular"/>
+              <a:sym typeface="courier new"/>
+            </a:endParaRPr>
+          </a:p>
+          <a:p>
+            <a:pPr lvl="0"/>
+            <a:endParaRPr lang="en-US" sz="1200" dirty="0">
+              <a:solidFill>
+                <a:srgbClr val="0E6E6D"/>
+              </a:solidFill>
+              <a:latin typeface="Menlo Regular"/>
+              <a:ea typeface="Menlo Regular"/>
+              <a:cs typeface="Menlo Regular"/>
+              <a:sym typeface="courier new"/>
+            </a:endParaRPr>
+          </a:p>
+          <a:p>
+            <a:pPr lvl="0"/>
+            <a:r>
+              <a:rPr lang="en" sz="1200" dirty="0">
+                <a:solidFill>
+                  <a:srgbClr val="0E6E6D"/>
+                </a:solidFill>
+                <a:latin typeface="Menlo Regular"/>
+                <a:ea typeface="Menlo Regular"/>
+                <a:cs typeface="Menlo Regular"/>
+                <a:sym typeface="courier new"/>
+              </a:rPr>
+              <a:t># c and d don't exist anymore -- these statements will give us name errors!</a:t>
+            </a:r>
+            <a:endParaRPr lang="en-US" sz="1200" dirty="0">
+              <a:solidFill>
+                <a:srgbClr val="0E6E6D"/>
+              </a:solidFill>
+              <a:latin typeface="Menlo Regular"/>
+              <a:ea typeface="Menlo Regular"/>
+              <a:cs typeface="Menlo Regular"/>
+              <a:sym typeface="courier new"/>
+            </a:endParaRPr>
+          </a:p>
+          <a:p>
+            <a:pPr lvl="0"/>
+            <a:r>
+              <a:rPr lang="en" sz="1200" dirty="0">
+                <a:solidFill>
+                  <a:srgbClr val="0E6E6D"/>
+                </a:solidFill>
+                <a:latin typeface="Menlo Regular"/>
+                <a:ea typeface="Menlo Regular"/>
+                <a:cs typeface="Menlo Regular"/>
+                <a:sym typeface="courier new"/>
+              </a:rPr>
+              <a:t>print(c)</a:t>
+            </a:r>
+            <a:endParaRPr lang="en-US" sz="1200" dirty="0">
+              <a:solidFill>
+                <a:srgbClr val="0E6E6D"/>
+              </a:solidFill>
+              <a:latin typeface="Menlo Regular"/>
+              <a:ea typeface="Menlo Regular"/>
+              <a:cs typeface="Menlo Regular"/>
+              <a:sym typeface="courier new"/>
+            </a:endParaRPr>
+          </a:p>
+          <a:p>
+            <a:pPr lvl="0"/>
+            <a:r>
+              <a:rPr lang="en" sz="1200" dirty="0">
+                <a:solidFill>
+                  <a:srgbClr val="0E6E6D"/>
+                </a:solidFill>
+                <a:latin typeface="Menlo Regular"/>
+                <a:ea typeface="Menlo Regular"/>
+                <a:cs typeface="Menlo Regular"/>
+                <a:sym typeface="courier new"/>
+              </a:rPr>
+              <a:t>print(d)</a:t>
+            </a:r>
+            <a:endParaRPr lang="en-US" sz="1200" dirty="0">
+              <a:solidFill>
+                <a:srgbClr val="0E6E6D"/>
+              </a:solidFill>
+              <a:latin typeface="Menlo Regular"/>
+              <a:ea typeface="Menlo Regular"/>
+              <a:cs typeface="Menlo Regular"/>
+              <a:sym typeface="courier new"/>
+            </a:endParaRPr>
+          </a:p>
+          <a:p>
+            <a:pPr lvl="0"/>
+            <a:endParaRPr lang="en-US" sz="1200" dirty="0">
+              <a:solidFill>
+                <a:srgbClr val="0E6E6D"/>
+              </a:solidFill>
+              <a:latin typeface="Menlo Regular"/>
+              <a:ea typeface="Menlo Regular"/>
+              <a:cs typeface="Menlo Regular"/>
+              <a:sym typeface="courier new"/>
+            </a:endParaRPr>
+          </a:p>
+          <a:p>
+            <a:pPr lvl="0"/>
+            <a:r>
+              <a:rPr lang="en-US" sz="1200" dirty="0">
+                <a:solidFill>
+                  <a:srgbClr val="0E6E6D"/>
+                </a:solidFill>
+                <a:latin typeface="Menlo Regular"/>
+                <a:ea typeface="Menlo Regular"/>
+                <a:cs typeface="Menlo Regular"/>
+                <a:sym typeface="courier new"/>
+              </a:rPr>
+              <a:t>Taken from http://python-textbok.readthedocs.io/en/1.0/Variables_and_Scope.html</a:t>
+            </a:r>
+            <a:endParaRPr lang="en" sz="1200" dirty="0">
+              <a:solidFill>
+                <a:srgbClr val="0E6E6D"/>
+              </a:solidFill>
+              <a:latin typeface="Menlo Regular"/>
+              <a:ea typeface="Menlo Regular"/>
+              <a:cs typeface="Menlo Regular"/>
+              <a:sym typeface="courier new"/>
+            </a:endParaRPr>
           </a:p>
         </p:txBody>
       </p:sp>
@@ -13707,7 +14372,7 @@
               <a:buNone/>
             </a:pPr>
             <a:r>
-              <a:rPr lang="en" sz="7200" dirty="0">
+              <a:rPr lang="en" sz="5000" dirty="0">
                 <a:solidFill>
                   <a:srgbClr val="FF0000"/>
                 </a:solidFill>
@@ -13746,49 +14411,22 @@
           <a:lstStyle/>
           <a:p>
             <a:pPr lvl="0" rtl="0">
-              <a:lnSpc>
-                <a:spcPct val="115000"/>
-              </a:lnSpc>
-              <a:spcBef>
-                <a:spcPts val="0"/>
-              </a:spcBef>
-              <a:buNone/>
-            </a:pPr>
-            <a:r>
-              <a:rPr lang="en" sz="2700" dirty="0">
-                <a:solidFill>
-                  <a:srgbClr val="000000"/>
-                </a:solidFill>
-                <a:latin typeface="Open Sans"/>
-                <a:ea typeface="Open Sans"/>
-                <a:cs typeface="Open Sans"/>
-                <a:sym typeface="Open Sans"/>
-              </a:rPr>
-              <a:t>Use the "</a:t>
-            </a:r>
-            <a:r>
-              <a:rPr lang="en" sz="2700" dirty="0">
-                <a:solidFill>
-                  <a:srgbClr val="0B5C92"/>
-                </a:solidFill>
-                <a:latin typeface="Menlo Regular"/>
-                <a:ea typeface="Open Sans"/>
-                <a:cs typeface="Menlo Regular"/>
-                <a:sym typeface="Open Sans"/>
-              </a:rPr>
-              <a:t>!</a:t>
-            </a:r>
-            <a:r>
-              <a:rPr lang="en" sz="2700" dirty="0">
-                <a:solidFill>
-                  <a:srgbClr val="000000"/>
-                </a:solidFill>
-                <a:latin typeface="Open Sans"/>
-                <a:ea typeface="Open Sans"/>
-                <a:cs typeface="Open Sans"/>
-                <a:sym typeface="Open Sans"/>
-              </a:rPr>
-              <a:t>" operator</a:t>
+              <a:spcBef>
+                <a:spcPts val="0"/>
+              </a:spcBef>
+              <a:buNone/>
+            </a:pPr>
+            <a:r>
+              <a:rPr lang="en-US" sz="2400" dirty="0" smtClean="0">
+                <a:solidFill>
+                  <a:schemeClr val="tx1"/>
+                </a:solidFill>
+                <a:latin typeface="Menlo Regular"/>
+                <a:ea typeface="Menlo Regular"/>
+                <a:cs typeface="Menlo Regular"/>
+                <a:sym typeface="Courier New"/>
+              </a:rPr>
+              <a:t>within our Coffee class</a:t>
             </a:r>
           </a:p>
           <a:p>
@@ -13800,7 +14438,7 @@
             </a:pPr>
             <a:endParaRPr lang="en-US" sz="2400" dirty="0" smtClean="0">
               <a:solidFill>
-                <a:srgbClr val="4A86E8"/>
+                <a:schemeClr val="tx1"/>
               </a:solidFill>
               <a:latin typeface="Menlo Regular"/>
               <a:ea typeface="Menlo Regular"/>
@@ -13828,16 +14466,40 @@
               <a:t>def </a:t>
             </a:r>
             <a:r>
+              <a:rPr lang="en-US" sz="2400" dirty="0">
+                <a:solidFill>
+                  <a:srgbClr val="84000C"/>
+                </a:solidFill>
+                <a:latin typeface="Menlo Regular"/>
+                <a:ea typeface="Menlo Regular"/>
+                <a:cs typeface="Menlo Regular"/>
+                <a:sym typeface="Courier New"/>
+              </a:rPr>
+              <a:t>change_temp</a:t>
+            </a:r>
+            <a:r>
               <a:rPr lang="en" sz="2400" dirty="0">
                 <a:solidFill>
-                  <a:srgbClr val="84000C"/>
-                </a:solidFill>
-                <a:latin typeface="Menlo Regular"/>
-                <a:ea typeface="Menlo Regular"/>
-                <a:cs typeface="Menlo Regular"/>
-                <a:sym typeface="Courier New"/>
-              </a:rPr>
-              <a:t>temp!</a:t>
+                  <a:schemeClr val="tx1"/>
+                </a:solidFill>
+                <a:latin typeface="Menlo Regular"/>
+                <a:ea typeface="Menlo Regular"/>
+                <a:cs typeface="Menlo Regular"/>
+                <a:sym typeface="Courier New"/>
+              </a:rPr>
+              <a:t>(</a:t>
+            </a:r>
+            <a:r>
+              <a:rPr lang="en-US" sz="2400" dirty="0">
+                <a:solidFill>
+                  <a:schemeClr val="tx1"/>
+                </a:solidFill>
+                <a:latin typeface="Menlo Regular"/>
+                <a:ea typeface="Menlo Regular"/>
+                <a:cs typeface="Menlo Regular"/>
+                <a:sym typeface="Courier New"/>
+              </a:rPr>
+              <a:t>self, </a:t>
             </a:r>
             <a:r>
               <a:rPr lang="en" sz="2400" dirty="0">
@@ -13849,8 +14511,29 @@
                 <a:cs typeface="Menlo Regular"/>
                 <a:sym typeface="Courier New"/>
               </a:rPr>
-              <a:t>(temp)</a:t>
-            </a:r>
+              <a:t>temp)</a:t>
+            </a:r>
+            <a:r>
+              <a:rPr lang="en-US" sz="2400" dirty="0">
+                <a:solidFill>
+                  <a:schemeClr val="tx1"/>
+                </a:solidFill>
+                <a:latin typeface="Menlo Regular"/>
+                <a:ea typeface="Menlo Regular"/>
+                <a:cs typeface="Menlo Regular"/>
+                <a:sym typeface="Courier New"/>
+              </a:rPr>
+              <a:t>:</a:t>
+            </a:r>
+            <a:endParaRPr lang="en" sz="2400" dirty="0">
+              <a:solidFill>
+                <a:schemeClr val="tx1"/>
+              </a:solidFill>
+              <a:latin typeface="Menlo Regular"/>
+              <a:ea typeface="Menlo Regular"/>
+              <a:cs typeface="Menlo Regular"/>
+              <a:sym typeface="Courier New"/>
+            </a:endParaRPr>
           </a:p>
           <a:p>
             <a:pPr lvl="0" rtl="0">
@@ -13872,6 +14555,18 @@
               <a:t>	</a:t>
             </a:r>
             <a:r>
+              <a:rPr lang="en-US" sz="2400" dirty="0">
+                <a:solidFill>
+                  <a:srgbClr val="0E6E6D"/>
+                </a:solidFill>
+                <a:latin typeface="Menlo Regular"/>
+                <a:ea typeface="Menlo Regular"/>
+                <a:cs typeface="Menlo Regular"/>
+                <a:sym typeface="Courier New"/>
+              </a:rPr>
+              <a:t>self.</a:t>
+            </a:r>
+            <a:r>
               <a:rPr lang="en" sz="2400" dirty="0">
                 <a:solidFill>
                   <a:srgbClr val="0E6E6D"/>
@@ -13881,7 +14576,7 @@
                 <a:cs typeface="Menlo Regular"/>
                 <a:sym typeface="Courier New"/>
               </a:rPr>
-              <a:t>@temperature </a:t>
+              <a:t>temperature </a:t>
             </a:r>
             <a:r>
               <a:rPr lang="en" sz="2400" dirty="0">
@@ -13903,18 +14598,15 @@
               </a:spcBef>
               <a:buNone/>
             </a:pPr>
-            <a:r>
-              <a:rPr lang="en" sz="2400" dirty="0">
-                <a:solidFill>
-                  <a:schemeClr val="tx1"/>
-                </a:solidFill>
-                <a:latin typeface="Menlo Regular"/>
-                <a:ea typeface="Menlo Regular"/>
-                <a:cs typeface="Menlo Regular"/>
-                <a:sym typeface="Courier New"/>
-              </a:rPr>
-              <a:t>end</a:t>
-            </a:r>
+            <a:endParaRPr lang="en" sz="2400" dirty="0">
+              <a:solidFill>
+                <a:schemeClr val="tx1"/>
+              </a:solidFill>
+              <a:latin typeface="Menlo Regular"/>
+              <a:ea typeface="Menlo Regular"/>
+              <a:cs typeface="Menlo Regular"/>
+              <a:sym typeface="Courier New"/>
+            </a:endParaRPr>
           </a:p>
           <a:p>
             <a:pPr lvl="0" rtl="0">
@@ -13941,6 +14633,30 @@
               <a:buNone/>
             </a:pPr>
             <a:r>
+              <a:rPr lang="en-US" sz="2400" dirty="0" smtClean="0">
+                <a:solidFill>
+                  <a:schemeClr val="tx1"/>
+                </a:solidFill>
+                <a:latin typeface="Menlo Regular"/>
+                <a:ea typeface="Menlo Regular"/>
+                <a:cs typeface="Menlo Regular"/>
+                <a:sym typeface="Courier New"/>
+              </a:rPr>
+              <a:t>brandons_</a:t>
+            </a:r>
+            <a:r>
+              <a:rPr lang="en-US" sz="2400" dirty="0">
+                <a:solidFill>
+                  <a:schemeClr val="tx1"/>
+                </a:solidFill>
+                <a:latin typeface="Menlo Regular"/>
+                <a:ea typeface="Menlo Regular"/>
+                <a:cs typeface="Menlo Regular"/>
+                <a:sym typeface="Courier New"/>
+              </a:rPr>
+              <a:t>c</a:t>
+            </a:r>
+            <a:r>
               <a:rPr lang="en" sz="2400" dirty="0" smtClean="0">
                 <a:solidFill>
                   <a:schemeClr val="tx1"/>
@@ -13950,7 +14666,51 @@
                 <a:cs typeface="Menlo Regular"/>
                 <a:sym typeface="Courier New"/>
               </a:rPr>
-              <a:t>myCoffee.temp!(120</a:t>
+              <a:t>offee</a:t>
+            </a:r>
+            <a:r>
+              <a:rPr lang="en-US" sz="2400" dirty="0" smtClean="0">
+                <a:solidFill>
+                  <a:schemeClr val="tx1"/>
+                </a:solidFill>
+                <a:latin typeface="Menlo Regular"/>
+                <a:ea typeface="Menlo Regular"/>
+                <a:cs typeface="Menlo Regular"/>
+                <a:sym typeface="Courier New"/>
+              </a:rPr>
+              <a:t> = Coffee()</a:t>
+            </a:r>
+          </a:p>
+          <a:p>
+            <a:pPr lvl="0" rtl="0">
+              <a:spcBef>
+                <a:spcPts val="0"/>
+              </a:spcBef>
+              <a:buNone/>
+            </a:pPr>
+            <a:r>
+              <a:rPr lang="en-US" sz="2400" dirty="0" smtClean="0">
+                <a:solidFill>
+                  <a:schemeClr val="tx1"/>
+                </a:solidFill>
+                <a:latin typeface="Menlo Regular"/>
+                <a:ea typeface="Menlo Regular"/>
+                <a:cs typeface="Menlo Regular"/>
+                <a:sym typeface="Courier New"/>
+              </a:rPr>
+              <a:t>brandons_coffee.change_</a:t>
+            </a:r>
+            <a:r>
+              <a:rPr lang="en" sz="2400" dirty="0" smtClean="0">
+                <a:solidFill>
+                  <a:schemeClr val="tx1"/>
+                </a:solidFill>
+                <a:latin typeface="Menlo Regular"/>
+                <a:ea typeface="Menlo Regular"/>
+                <a:cs typeface="Menlo Regular"/>
+                <a:sym typeface="Courier New"/>
+              </a:rPr>
+              <a:t>temp(120</a:t>
             </a:r>
             <a:r>
               <a:rPr lang="en" sz="2400" dirty="0">
@@ -13973,7 +14733,7 @@
               <a:buNone/>
             </a:pPr>
             <a:r>
-              <a:rPr lang="en" sz="2400" dirty="0">
+              <a:rPr lang="en-US" sz="2400" dirty="0">
                 <a:solidFill>
                   <a:schemeClr val="tx1"/>
                 </a:solidFill>
@@ -13982,7 +14742,7 @@
                 <a:cs typeface="Menlo Regular"/>
                 <a:sym typeface="Courier New"/>
               </a:rPr>
-              <a:t>puts </a:t>
+              <a:t>print(</a:t>
             </a:r>
             <a:r>
               <a:rPr lang="en" sz="2400" dirty="0" smtClean="0">
@@ -14018,9 +14778,17 @@
                 <a:cs typeface="Menlo Regular"/>
                 <a:sym typeface="Courier New"/>
               </a:rPr>
-              <a:t>display_temp</a:t>
-            </a:r>
-            <a:endParaRPr lang="en" sz="2400" dirty="0">
+              <a:t>temperature)</a:t>
+            </a:r>
+          </a:p>
+          <a:p>
+            <a:pPr lvl="0" rtl="0">
+              <a:spcBef>
+                <a:spcPts val="0"/>
+              </a:spcBef>
+              <a:buNone/>
+            </a:pPr>
+            <a:endParaRPr lang="en-US" sz="2400" dirty="0" err="1">
               <a:solidFill>
                 <a:schemeClr val="tx1"/>
               </a:solidFill>
@@ -14037,25 +14805,8 @@
               </a:spcBef>
               <a:buNone/>
             </a:pPr>
-            <a:endParaRPr sz="2400" dirty="0">
-              <a:solidFill>
-                <a:schemeClr val="tx1"/>
-              </a:solidFill>
-              <a:latin typeface="Menlo Regular"/>
-              <a:ea typeface="Menlo Regular"/>
-              <a:cs typeface="Menlo Regular"/>
-              <a:sym typeface="Courier New"/>
-            </a:endParaRPr>
-          </a:p>
-          <a:p>
-            <a:pPr lvl="0" rtl="0">
-              <a:spcBef>
-                <a:spcPts val="0"/>
-              </a:spcBef>
-              <a:buNone/>
-            </a:pPr>
-            <a:r>
-              <a:rPr lang="en" sz="2400" dirty="0">
+            <a:r>
+              <a:rPr lang="en-US" sz="2400" dirty="0" err="1">
                 <a:solidFill>
                   <a:schemeClr val="tx1"/>
                 </a:solidFill>
@@ -14064,63 +14815,7 @@
                 <a:cs typeface="Menlo Regular"/>
                 <a:sym typeface="Courier New"/>
               </a:rPr>
-              <a:t>yourCoffee = Coffee.new</a:t>
-            </a:r>
-          </a:p>
-          <a:p>
-            <a:pPr>
-              <a:spcBef>
-                <a:spcPts val="0"/>
-              </a:spcBef>
-              <a:buNone/>
-            </a:pPr>
-            <a:r>
-              <a:rPr lang="en" sz="2400" dirty="0">
-                <a:solidFill>
-                  <a:schemeClr val="tx1"/>
-                </a:solidFill>
-                <a:latin typeface="Menlo Regular"/>
-                <a:ea typeface="Menlo Regular"/>
-                <a:cs typeface="Menlo Regular"/>
-                <a:sym typeface="Courier New"/>
-              </a:rPr>
-              <a:t>puts </a:t>
-            </a:r>
-            <a:r>
-              <a:rPr lang="en" sz="2400" dirty="0" smtClean="0">
-                <a:solidFill>
-                  <a:schemeClr val="tx1"/>
-                </a:solidFill>
-                <a:latin typeface="Menlo Regular"/>
-                <a:ea typeface="Menlo Regular"/>
-                <a:cs typeface="Menlo Regular"/>
-                <a:sym typeface="Courier New"/>
-              </a:rPr>
-              <a:t>yourCoffee.</a:t>
-            </a:r>
-            <a:r>
-              <a:rPr lang="en-US" sz="2400" dirty="0" smtClean="0">
-                <a:solidFill>
-                  <a:schemeClr val="tx1"/>
-                </a:solidFill>
-                <a:latin typeface="Menlo Regular"/>
-                <a:ea typeface="Menlo Regular"/>
-                <a:cs typeface="Menlo Regular"/>
-                <a:sym typeface="Courier New"/>
-              </a:rPr>
-              <a:t>display_</a:t>
-            </a:r>
-            <a:r>
-              <a:rPr lang="en" sz="2400" dirty="0" smtClean="0">
-                <a:solidFill>
-                  <a:schemeClr val="tx1"/>
-                </a:solidFill>
-                <a:latin typeface="Menlo Regular"/>
-                <a:ea typeface="Menlo Regular"/>
-                <a:cs typeface="Menlo Regular"/>
-                <a:sym typeface="Courier New"/>
-              </a:rPr>
-              <a:t>temp</a:t>
+              <a:t>What is the scope of temp? of self.temperature?</a:t>
             </a:r>
             <a:endParaRPr lang="en" sz="2400" dirty="0">
               <a:solidFill>
@@ -14201,15 +14896,22 @@
               <a:buNone/>
             </a:pPr>
             <a:r>
-              <a:rPr lang="en" sz="5500" dirty="0">
+              <a:rPr lang="en-US" sz="5500" dirty="0">
                 <a:solidFill>
                   <a:srgbClr val="FF0000"/>
                 </a:solidFill>
                 <a:latin typeface="Yanone Kaffeesatz Bold"/>
                 <a:cs typeface="Yanone Kaffeesatz Bold"/>
               </a:rPr>
-              <a:t>Existential Operator</a:t>
-            </a:r>
+              <a:t>Existential Tests</a:t>
+            </a:r>
+            <a:endParaRPr lang="en" sz="5500" dirty="0">
+              <a:solidFill>
+                <a:srgbClr val="FF0000"/>
+              </a:solidFill>
+              <a:latin typeface="Yanone Kaffeesatz Bold"/>
+              <a:cs typeface="Yanone Kaffeesatz Bold"/>
+            </a:endParaRPr>
           </a:p>
         </p:txBody>
       </p:sp>
@@ -14245,7 +14947,7 @@
               <a:buNone/>
             </a:pPr>
             <a:r>
-              <a:rPr lang="en" sz="2000" dirty="0">
+              <a:rPr lang="en-US" sz="2000" dirty="0">
                 <a:solidFill>
                   <a:schemeClr val="tx1"/>
                 </a:solidFill>
@@ -14254,31 +14956,7 @@
                 <a:cs typeface="Menlo Regular"/>
                 <a:sym typeface="Courier New"/>
               </a:rPr>
-              <a:t>def </a:t>
-            </a:r>
-            <a:r>
-              <a:rPr lang="en" sz="2000" dirty="0">
-                <a:solidFill>
-                  <a:srgbClr val="800000"/>
-                </a:solidFill>
-                <a:latin typeface="Menlo Regular"/>
-                <a:ea typeface="Menlo Regular"/>
-                <a:cs typeface="Menlo Regular"/>
-                <a:sym typeface="Courier New"/>
-              </a:rPr>
-              <a:t>hot?</a:t>
-            </a:r>
-            <a:r>
-              <a:rPr lang="en" sz="2000" dirty="0">
-                <a:solidFill>
-                  <a:schemeClr val="tx1"/>
-                </a:solidFill>
-                <a:latin typeface="Menlo Regular"/>
-                <a:ea typeface="Menlo Regular"/>
-                <a:cs typeface="Menlo Regular"/>
-                <a:sym typeface="Courier New"/>
-              </a:rPr>
-              <a:t>(temp)</a:t>
+              <a:t>within our coffee class</a:t>
             </a:r>
           </a:p>
           <a:p>
@@ -14288,143 +14966,7 @@
               </a:spcBef>
               <a:buNone/>
             </a:pPr>
-            <a:r>
-              <a:rPr lang="en-US" sz="2000" dirty="0">
-                <a:solidFill>
-                  <a:schemeClr val="tx1"/>
-                </a:solidFill>
-                <a:latin typeface="Menlo Regular"/>
-                <a:ea typeface="Menlo Regular"/>
-                <a:cs typeface="Menlo Regular"/>
-                <a:sym typeface="Courier New"/>
-              </a:rPr>
-              <a:t> </a:t>
-            </a:r>
-            <a:r>
-              <a:rPr lang="en-US" sz="2000" dirty="0" smtClean="0">
-                <a:solidFill>
-                  <a:schemeClr val="tx1"/>
-                </a:solidFill>
-                <a:latin typeface="Menlo Regular"/>
-                <a:ea typeface="Menlo Regular"/>
-                <a:cs typeface="Menlo Regular"/>
-                <a:sym typeface="Courier New"/>
-              </a:rPr>
-              <a:t> </a:t>
-            </a:r>
-            <a:r>
-              <a:rPr lang="en" sz="2000" dirty="0" smtClean="0">
-                <a:solidFill>
-                  <a:schemeClr val="tx1"/>
-                </a:solidFill>
-                <a:latin typeface="Menlo Regular"/>
-                <a:ea typeface="Menlo Regular"/>
-                <a:cs typeface="Menlo Regular"/>
-                <a:sym typeface="Courier New"/>
-              </a:rPr>
-              <a:t>if </a:t>
-            </a:r>
-            <a:r>
-              <a:rPr lang="en" sz="2000" dirty="0">
-                <a:solidFill>
-                  <a:schemeClr val="tx1"/>
-                </a:solidFill>
-                <a:latin typeface="Menlo Regular"/>
-                <a:ea typeface="Menlo Regular"/>
-                <a:cs typeface="Menlo Regular"/>
-                <a:sym typeface="Courier New"/>
-              </a:rPr>
-              <a:t>temp &gt; </a:t>
-            </a:r>
-            <a:r>
-              <a:rPr lang="en" sz="2000" dirty="0">
-                <a:solidFill>
-                  <a:srgbClr val="0E6E6D"/>
-                </a:solidFill>
-                <a:latin typeface="Menlo Regular"/>
-                <a:ea typeface="Menlo Regular"/>
-                <a:cs typeface="Menlo Regular"/>
-                <a:sym typeface="Courier New"/>
-              </a:rPr>
-              <a:t>160</a:t>
-            </a:r>
-          </a:p>
-          <a:p>
-            <a:pPr lvl="0" rtl="0">
-              <a:spcBef>
-                <a:spcPts val="0"/>
-              </a:spcBef>
-              <a:buNone/>
-            </a:pPr>
-            <a:r>
-              <a:rPr lang="en-US" sz="2000" dirty="0" smtClean="0">
-                <a:solidFill>
-                  <a:schemeClr val="tx1"/>
-                </a:solidFill>
-                <a:latin typeface="Menlo Regular"/>
-                <a:ea typeface="Menlo Regular"/>
-                <a:cs typeface="Menlo Regular"/>
-                <a:sym typeface="Courier New"/>
-              </a:rPr>
-              <a:t>  </a:t>
-            </a:r>
-            <a:r>
-              <a:rPr lang="en" sz="2000" dirty="0" smtClean="0">
-                <a:solidFill>
-                  <a:schemeClr val="tx1"/>
-                </a:solidFill>
-                <a:latin typeface="Menlo Regular"/>
-                <a:ea typeface="Menlo Regular"/>
-                <a:cs typeface="Menlo Regular"/>
-                <a:sym typeface="Courier New"/>
-              </a:rPr>
-              <a:t>  </a:t>
-            </a:r>
-            <a:r>
-              <a:rPr lang="en" sz="2000" dirty="0">
-                <a:solidFill>
-                  <a:schemeClr val="tx1"/>
-                </a:solidFill>
-                <a:latin typeface="Menlo Regular"/>
-                <a:ea typeface="Menlo Regular"/>
-                <a:cs typeface="Menlo Regular"/>
-                <a:sym typeface="Courier New"/>
-              </a:rPr>
-              <a:t>return true</a:t>
-            </a:r>
-          </a:p>
-          <a:p>
-            <a:pPr lvl="0" rtl="0">
-              <a:spcBef>
-                <a:spcPts val="0"/>
-              </a:spcBef>
-              <a:buNone/>
-            </a:pPr>
-            <a:r>
-              <a:rPr lang="en" sz="2000" dirty="0">
-                <a:solidFill>
-                  <a:schemeClr val="tx1"/>
-                </a:solidFill>
-                <a:latin typeface="Menlo Regular"/>
-                <a:ea typeface="Menlo Regular"/>
-                <a:cs typeface="Menlo Regular"/>
-                <a:sym typeface="Courier New"/>
-              </a:rPr>
-              <a:t>  </a:t>
-            </a:r>
-            <a:r>
-              <a:rPr lang="en" sz="2000" dirty="0" smtClean="0">
-                <a:solidFill>
-                  <a:schemeClr val="tx1"/>
-                </a:solidFill>
-                <a:latin typeface="Menlo Regular"/>
-                <a:ea typeface="Menlo Regular"/>
-                <a:cs typeface="Menlo Regular"/>
-                <a:sym typeface="Courier New"/>
-              </a:rPr>
-              <a:t>end</a:t>
-            </a:r>
-            <a:endParaRPr lang="en-US" sz="2000" dirty="0" smtClean="0">
+            <a:endParaRPr lang="en-US" sz="2000" dirty="0">
               <a:solidFill>
                 <a:schemeClr val="tx1"/>
               </a:solidFill>
@@ -14441,6 +14983,78 @@
               </a:spcBef>
               <a:buNone/>
             </a:pPr>
+            <a:r>
+              <a:rPr lang="en" sz="2000" dirty="0">
+                <a:solidFill>
+                  <a:schemeClr val="tx1"/>
+                </a:solidFill>
+                <a:latin typeface="Menlo Regular"/>
+                <a:ea typeface="Menlo Regular"/>
+                <a:cs typeface="Menlo Regular"/>
+                <a:sym typeface="Courier New"/>
+              </a:rPr>
+              <a:t>def </a:t>
+            </a:r>
+            <a:r>
+              <a:rPr lang="en-US" sz="2000" dirty="0">
+                <a:solidFill>
+                  <a:schemeClr val="tx1"/>
+                </a:solidFill>
+                <a:latin typeface="Menlo Regular"/>
+                <a:ea typeface="Menlo Regular"/>
+                <a:cs typeface="Menlo Regular"/>
+                <a:sym typeface="Courier New"/>
+              </a:rPr>
+              <a:t>is_hot</a:t>
+            </a:r>
+            <a:r>
+              <a:rPr lang="en" sz="2000" dirty="0">
+                <a:solidFill>
+                  <a:schemeClr val="tx1"/>
+                </a:solidFill>
+                <a:latin typeface="Menlo Regular"/>
+                <a:ea typeface="Menlo Regular"/>
+                <a:cs typeface="Menlo Regular"/>
+                <a:sym typeface="Courier New"/>
+              </a:rPr>
+              <a:t>(</a:t>
+            </a:r>
+            <a:r>
+              <a:rPr lang="en-US" sz="2000" dirty="0">
+                <a:solidFill>
+                  <a:schemeClr val="tx1"/>
+                </a:solidFill>
+                <a:latin typeface="Menlo Regular"/>
+                <a:ea typeface="Menlo Regular"/>
+                <a:cs typeface="Menlo Regular"/>
+                <a:sym typeface="Courier New"/>
+              </a:rPr>
+              <a:t>self</a:t>
+            </a:r>
+            <a:r>
+              <a:rPr lang="en" sz="2000" dirty="0">
+                <a:solidFill>
+                  <a:schemeClr val="tx1"/>
+                </a:solidFill>
+                <a:latin typeface="Menlo Regular"/>
+                <a:ea typeface="Menlo Regular"/>
+                <a:cs typeface="Menlo Regular"/>
+                <a:sym typeface="Courier New"/>
+              </a:rPr>
+              <a:t>)</a:t>
+            </a:r>
+            <a:r>
+              <a:rPr lang="en-US" sz="2000" dirty="0">
+                <a:solidFill>
+                  <a:schemeClr val="tx1"/>
+                </a:solidFill>
+                <a:latin typeface="Menlo Regular"/>
+                <a:ea typeface="Menlo Regular"/>
+                <a:cs typeface="Menlo Regular"/>
+                <a:sym typeface="Courier New"/>
+              </a:rPr>
+              <a:t>:</a:t>
+            </a:r>
             <a:endParaRPr lang="en" sz="2000" dirty="0">
               <a:solidFill>
                 <a:schemeClr val="tx1"/>
@@ -14459,6 +15073,54 @@
               <a:buNone/>
             </a:pPr>
             <a:r>
+              <a:rPr lang="en-US" sz="2000" dirty="0">
+                <a:solidFill>
+                  <a:schemeClr val="tx1"/>
+                </a:solidFill>
+                <a:latin typeface="Menlo Regular"/>
+                <a:ea typeface="Menlo Regular"/>
+                <a:cs typeface="Menlo Regular"/>
+                <a:sym typeface="Courier New"/>
+              </a:rPr>
+              <a:t> </a:t>
+            </a:r>
+            <a:r>
+              <a:rPr lang="en-US" sz="2000" dirty="0" smtClean="0">
+                <a:solidFill>
+                  <a:schemeClr val="tx1"/>
+                </a:solidFill>
+                <a:latin typeface="Menlo Regular"/>
+                <a:ea typeface="Menlo Regular"/>
+                <a:cs typeface="Menlo Regular"/>
+                <a:sym typeface="Courier New"/>
+              </a:rPr>
+              <a:t> </a:t>
+            </a:r>
+            <a:r>
+              <a:rPr lang="en" sz="2000" dirty="0" smtClean="0">
+                <a:solidFill>
+                  <a:schemeClr val="tx1"/>
+                </a:solidFill>
+                <a:latin typeface="Menlo Regular"/>
+                <a:ea typeface="Menlo Regular"/>
+                <a:cs typeface="Menlo Regular"/>
+                <a:sym typeface="Courier New"/>
+              </a:rPr>
+              <a:t>if </a:t>
+            </a:r>
+            <a:r>
+              <a:rPr lang="en-US" sz="2000" dirty="0" smtClean="0">
+                <a:solidFill>
+                  <a:schemeClr val="tx1"/>
+                </a:solidFill>
+                <a:latin typeface="Menlo Regular"/>
+                <a:ea typeface="Menlo Regular"/>
+                <a:cs typeface="Menlo Regular"/>
+                <a:sym typeface="Courier New"/>
+              </a:rPr>
+              <a:t>self.</a:t>
+            </a:r>
+            <a:r>
               <a:rPr lang="en" sz="2000" dirty="0">
                 <a:solidFill>
                   <a:schemeClr val="tx1"/>
@@ -14468,10 +15130,10 @@
                 <a:cs typeface="Menlo Regular"/>
                 <a:sym typeface="Courier New"/>
               </a:rPr>
-              <a:t>  </a:t>
-            </a:r>
-            <a:r>
-              <a:rPr lang="en" sz="2000" dirty="0" smtClean="0">
+              <a:t>temp</a:t>
+            </a:r>
+            <a:r>
+              <a:rPr lang="en-US" sz="2000" dirty="0">
                 <a:solidFill>
                   <a:schemeClr val="tx1"/>
                 </a:solidFill>
@@ -14480,11 +15142,47 @@
                 <a:cs typeface="Menlo Regular"/>
                 <a:sym typeface="Courier New"/>
               </a:rPr>
-              <a:t>false</a:t>
+              <a:t>erature</a:t>
+            </a:r>
+            <a:r>
+              <a:rPr lang="en" sz="2000" dirty="0">
+                <a:solidFill>
+                  <a:schemeClr val="tx1"/>
+                </a:solidFill>
+                <a:latin typeface="Menlo Regular"/>
+                <a:ea typeface="Menlo Regular"/>
+                <a:cs typeface="Menlo Regular"/>
+                <a:sym typeface="Courier New"/>
+              </a:rPr>
+              <a:t> &gt; </a:t>
+            </a:r>
+            <a:r>
+              <a:rPr lang="en" sz="2000" dirty="0">
+                <a:solidFill>
+                  <a:srgbClr val="0E6E6D"/>
+                </a:solidFill>
+                <a:latin typeface="Menlo Regular"/>
+                <a:ea typeface="Menlo Regular"/>
+                <a:cs typeface="Menlo Regular"/>
+                <a:sym typeface="Courier New"/>
+              </a:rPr>
+              <a:t>160</a:t>
+            </a:r>
+            <a:r>
+              <a:rPr lang="en-US" sz="2000" dirty="0">
+                <a:solidFill>
+                  <a:srgbClr val="0E6E6D"/>
+                </a:solidFill>
+                <a:latin typeface="Menlo Regular"/>
+                <a:ea typeface="Menlo Regular"/>
+                <a:cs typeface="Menlo Regular"/>
+                <a:sym typeface="Courier New"/>
+              </a:rPr>
+              <a:t>:</a:t>
             </a:r>
             <a:endParaRPr lang="en" sz="2000" dirty="0">
               <a:solidFill>
-                <a:schemeClr val="tx1"/>
+                <a:srgbClr val="0E6E6D"/>
               </a:solidFill>
               <a:latin typeface="Menlo Regular"/>
               <a:ea typeface="Menlo Regular"/>
@@ -14500,6 +15198,30 @@
               <a:buNone/>
             </a:pPr>
             <a:r>
+              <a:rPr lang="en-US" sz="2000" dirty="0" smtClean="0">
+                <a:solidFill>
+                  <a:schemeClr val="tx1"/>
+                </a:solidFill>
+                <a:latin typeface="Menlo Regular"/>
+                <a:ea typeface="Menlo Regular"/>
+                <a:cs typeface="Menlo Regular"/>
+                <a:sym typeface="Courier New"/>
+              </a:rPr>
+              <a:t>  </a:t>
+            </a:r>
+            <a:r>
+              <a:rPr lang="en" sz="2000" dirty="0" smtClean="0">
+                <a:solidFill>
+                  <a:schemeClr val="tx1"/>
+                </a:solidFill>
+                <a:latin typeface="Menlo Regular"/>
+                <a:ea typeface="Menlo Regular"/>
+                <a:cs typeface="Menlo Regular"/>
+                <a:sym typeface="Courier New"/>
+              </a:rPr>
+              <a:t>  </a:t>
+            </a:r>
+            <a:r>
               <a:rPr lang="en" sz="2000" dirty="0">
                 <a:solidFill>
                   <a:schemeClr val="tx1"/>
@@ -14509,7 +15231,31 @@
                 <a:cs typeface="Menlo Regular"/>
                 <a:sym typeface="Courier New"/>
               </a:rPr>
-              <a:t>end</a:t>
+              <a:t>return </a:t>
+            </a:r>
+            <a:r>
+              <a:rPr lang="en-US" sz="2000" dirty="0">
+                <a:solidFill>
+                  <a:schemeClr val="tx1"/>
+                </a:solidFill>
+                <a:latin typeface="Menlo Regular"/>
+                <a:ea typeface="Menlo Regular"/>
+                <a:cs typeface="Menlo Regular"/>
+                <a:sym typeface="Courier New"/>
+              </a:rPr>
+              <a:t>T</a:t>
+            </a:r>
+            <a:r>
+              <a:rPr lang="en" sz="2000" dirty="0">
+                <a:solidFill>
+                  <a:schemeClr val="tx1"/>
+                </a:solidFill>
+                <a:latin typeface="Menlo Regular"/>
+                <a:ea typeface="Menlo Regular"/>
+                <a:cs typeface="Menlo Regular"/>
+                <a:sym typeface="Courier New"/>
+              </a:rPr>
+              <a:t>rue</a:t>
             </a:r>
           </a:p>
         </p:txBody>
